--- a/v1_BGA.pptx
+++ b/v1_BGA.pptx
@@ -6,7 +6,7 @@
     <p:sldMasterId id="2147483738" r:id="rId2"/>
   </p:sldMasterIdLst>
   <p:notesMasterIdLst>
-    <p:notesMasterId r:id="rId30"/>
+    <p:notesMasterId r:id="rId31"/>
   </p:notesMasterIdLst>
   <p:sldIdLst>
     <p:sldId id="280" r:id="rId3"/>
@@ -24,18 +24,19 @@
     <p:sldId id="300" r:id="rId15"/>
     <p:sldId id="305" r:id="rId16"/>
     <p:sldId id="302" r:id="rId17"/>
-    <p:sldId id="284" r:id="rId18"/>
-    <p:sldId id="262" r:id="rId19"/>
-    <p:sldId id="288" r:id="rId20"/>
-    <p:sldId id="285" r:id="rId21"/>
-    <p:sldId id="291" r:id="rId22"/>
-    <p:sldId id="296" r:id="rId23"/>
-    <p:sldId id="297" r:id="rId24"/>
-    <p:sldId id="303" r:id="rId25"/>
-    <p:sldId id="304" r:id="rId26"/>
-    <p:sldId id="266" r:id="rId27"/>
-    <p:sldId id="279" r:id="rId28"/>
-    <p:sldId id="271" r:id="rId29"/>
+    <p:sldId id="306" r:id="rId18"/>
+    <p:sldId id="284" r:id="rId19"/>
+    <p:sldId id="262" r:id="rId20"/>
+    <p:sldId id="288" r:id="rId21"/>
+    <p:sldId id="285" r:id="rId22"/>
+    <p:sldId id="291" r:id="rId23"/>
+    <p:sldId id="296" r:id="rId24"/>
+    <p:sldId id="297" r:id="rId25"/>
+    <p:sldId id="303" r:id="rId26"/>
+    <p:sldId id="304" r:id="rId27"/>
+    <p:sldId id="266" r:id="rId28"/>
+    <p:sldId id="279" r:id="rId29"/>
+    <p:sldId id="271" r:id="rId30"/>
   </p:sldIdLst>
   <p:sldSz cx="12192000" cy="6858000"/>
   <p:notesSz cx="6858000" cy="9144000"/>
@@ -224,7 +225,7 @@
           <a:p>
             <a:fld id="{5B586FA9-CE55-B544-8519-FFF9C696383F}" type="datetimeFigureOut">
               <a:rPr lang="en-US" smtClean="0"/>
-              <a:t>6/21/25</a:t>
+              <a:t>6/22/25</a:t>
             </a:fld>
             <a:endParaRPr lang="en-US"/>
           </a:p>
@@ -640,7 +641,7 @@
           <a:p>
             <a:fld id="{1DD2632D-9546-3448-B0F9-937C05B3CE3C}" type="slidenum">
               <a:rPr lang="en-US" smtClean="0"/>
-              <a:t>18</a:t>
+              <a:t>19</a:t>
             </a:fld>
             <a:endParaRPr lang="en-US"/>
           </a:p>
@@ -724,7 +725,7 @@
           <a:p>
             <a:fld id="{1DD2632D-9546-3448-B0F9-937C05B3CE3C}" type="slidenum">
               <a:rPr lang="en-US" smtClean="0"/>
-              <a:t>19</a:t>
+              <a:t>20</a:t>
             </a:fld>
             <a:endParaRPr lang="en-US"/>
           </a:p>
@@ -808,7 +809,7 @@
           <a:p>
             <a:fld id="{1DD2632D-9546-3448-B0F9-937C05B3CE3C}" type="slidenum">
               <a:rPr lang="en-US" smtClean="0"/>
-              <a:t>20</a:t>
+              <a:t>21</a:t>
             </a:fld>
             <a:endParaRPr lang="en-US"/>
           </a:p>
@@ -892,7 +893,7 @@
           <a:p>
             <a:fld id="{6FD406C5-EEF2-D74A-9B05-FDC0980A8E37}" type="slidenum">
               <a:rPr lang="en-US" smtClean="0"/>
-              <a:t>21</a:t>
+              <a:t>22</a:t>
             </a:fld>
             <a:endParaRPr lang="en-US"/>
           </a:p>
@@ -976,7 +977,7 @@
           <a:p>
             <a:fld id="{1DD2632D-9546-3448-B0F9-937C05B3CE3C}" type="slidenum">
               <a:rPr lang="en-US" smtClean="0"/>
-              <a:t>25</a:t>
+              <a:t>26</a:t>
             </a:fld>
             <a:endParaRPr lang="en-US"/>
           </a:p>
@@ -1060,7 +1061,7 @@
           <a:p>
             <a:fld id="{1DD2632D-9546-3448-B0F9-937C05B3CE3C}" type="slidenum">
               <a:rPr lang="en-US" smtClean="0"/>
-              <a:t>26</a:t>
+              <a:t>27</a:t>
             </a:fld>
             <a:endParaRPr lang="en-US"/>
           </a:p>
@@ -1144,7 +1145,7 @@
           <a:p>
             <a:fld id="{1DD2632D-9546-3448-B0F9-937C05B3CE3C}" type="slidenum">
               <a:rPr lang="en-US" smtClean="0"/>
-              <a:t>27</a:t>
+              <a:t>28</a:t>
             </a:fld>
             <a:endParaRPr lang="en-US"/>
           </a:p>
@@ -1791,7 +1792,7 @@
           <a:p>
             <a:fld id="{1DD2632D-9546-3448-B0F9-937C05B3CE3C}" type="slidenum">
               <a:rPr lang="en-US" smtClean="0"/>
-              <a:t>16</a:t>
+              <a:t>17</a:t>
             </a:fld>
             <a:endParaRPr lang="en-US"/>
           </a:p>
@@ -1875,7 +1876,7 @@
           <a:p>
             <a:fld id="{1DD2632D-9546-3448-B0F9-937C05B3CE3C}" type="slidenum">
               <a:rPr lang="en-US" smtClean="0"/>
-              <a:t>17</a:t>
+              <a:t>18</a:t>
             </a:fld>
             <a:endParaRPr lang="en-US"/>
           </a:p>
@@ -2025,7 +2026,7 @@
           <a:p>
             <a:fld id="{2D197236-D285-DE44-816F-62408082637B}" type="datetimeFigureOut">
               <a:rPr lang="en-US" smtClean="0"/>
-              <a:t>6/21/25</a:t>
+              <a:t>6/22/25</a:t>
             </a:fld>
             <a:endParaRPr lang="en-US"/>
           </a:p>
@@ -2195,7 +2196,7 @@
           <a:p>
             <a:fld id="{2D197236-D285-DE44-816F-62408082637B}" type="datetimeFigureOut">
               <a:rPr lang="en-US" smtClean="0"/>
-              <a:t>6/21/25</a:t>
+              <a:t>6/22/25</a:t>
             </a:fld>
             <a:endParaRPr lang="en-US"/>
           </a:p>
@@ -2375,7 +2376,7 @@
           <a:p>
             <a:fld id="{2D197236-D285-DE44-816F-62408082637B}" type="datetimeFigureOut">
               <a:rPr lang="en-US" smtClean="0"/>
-              <a:t>6/21/25</a:t>
+              <a:t>6/22/25</a:t>
             </a:fld>
             <a:endParaRPr lang="en-US"/>
           </a:p>
@@ -2583,7 +2584,7 @@
           <a:p>
             <a:fld id="{2D197236-D285-DE44-816F-62408082637B}" type="datetimeFigureOut">
               <a:rPr lang="en-US" smtClean="0"/>
-              <a:t>6/21/25</a:t>
+              <a:t>6/22/25</a:t>
             </a:fld>
             <a:endParaRPr lang="en-US"/>
           </a:p>
@@ -2781,7 +2782,7 @@
           <a:p>
             <a:fld id="{2D197236-D285-DE44-816F-62408082637B}" type="datetimeFigureOut">
               <a:rPr lang="en-US" smtClean="0"/>
-              <a:t>6/21/25</a:t>
+              <a:t>6/22/25</a:t>
             </a:fld>
             <a:endParaRPr lang="en-US"/>
           </a:p>
@@ -3056,7 +3057,7 @@
           <a:p>
             <a:fld id="{2D197236-D285-DE44-816F-62408082637B}" type="datetimeFigureOut">
               <a:rPr lang="en-US" smtClean="0"/>
-              <a:t>6/21/25</a:t>
+              <a:t>6/22/25</a:t>
             </a:fld>
             <a:endParaRPr lang="en-US"/>
           </a:p>
@@ -3321,7 +3322,7 @@
           <a:p>
             <a:fld id="{2D197236-D285-DE44-816F-62408082637B}" type="datetimeFigureOut">
               <a:rPr lang="en-US" smtClean="0"/>
-              <a:t>6/21/25</a:t>
+              <a:t>6/22/25</a:t>
             </a:fld>
             <a:endParaRPr lang="en-US"/>
           </a:p>
@@ -3733,7 +3734,7 @@
           <a:p>
             <a:fld id="{2D197236-D285-DE44-816F-62408082637B}" type="datetimeFigureOut">
               <a:rPr lang="en-US" smtClean="0"/>
-              <a:t>6/21/25</a:t>
+              <a:t>6/22/25</a:t>
             </a:fld>
             <a:endParaRPr lang="en-US"/>
           </a:p>
@@ -3874,7 +3875,7 @@
           <a:p>
             <a:fld id="{2D197236-D285-DE44-816F-62408082637B}" type="datetimeFigureOut">
               <a:rPr lang="en-US" smtClean="0"/>
-              <a:t>6/21/25</a:t>
+              <a:t>6/22/25</a:t>
             </a:fld>
             <a:endParaRPr lang="en-US"/>
           </a:p>
@@ -3987,7 +3988,7 @@
           <a:p>
             <a:fld id="{2D197236-D285-DE44-816F-62408082637B}" type="datetimeFigureOut">
               <a:rPr lang="en-US" smtClean="0"/>
-              <a:t>6/21/25</a:t>
+              <a:t>6/22/25</a:t>
             </a:fld>
             <a:endParaRPr lang="en-US"/>
           </a:p>
@@ -4298,7 +4299,7 @@
           <a:p>
             <a:fld id="{2D197236-D285-DE44-816F-62408082637B}" type="datetimeFigureOut">
               <a:rPr lang="en-US" smtClean="0"/>
-              <a:t>6/21/25</a:t>
+              <a:t>6/22/25</a:t>
             </a:fld>
             <a:endParaRPr lang="en-US"/>
           </a:p>
@@ -4480,7 +4481,7 @@
           <a:p>
             <a:fld id="{2D197236-D285-DE44-816F-62408082637B}" type="datetimeFigureOut">
               <a:rPr lang="en-US" smtClean="0"/>
-              <a:t>6/21/25</a:t>
+              <a:t>6/22/25</a:t>
             </a:fld>
             <a:endParaRPr lang="en-US"/>
           </a:p>
@@ -4756,7 +4757,7 @@
           <a:p>
             <a:fld id="{2D197236-D285-DE44-816F-62408082637B}" type="datetimeFigureOut">
               <a:rPr lang="en-US" smtClean="0"/>
-              <a:t>6/21/25</a:t>
+              <a:t>6/22/25</a:t>
             </a:fld>
             <a:endParaRPr lang="en-US"/>
           </a:p>
@@ -4954,7 +4955,7 @@
           <a:p>
             <a:fld id="{2D197236-D285-DE44-816F-62408082637B}" type="datetimeFigureOut">
               <a:rPr lang="en-US" smtClean="0"/>
-              <a:t>6/21/25</a:t>
+              <a:t>6/22/25</a:t>
             </a:fld>
             <a:endParaRPr lang="en-US"/>
           </a:p>
@@ -5162,7 +5163,7 @@
           <a:p>
             <a:fld id="{2D197236-D285-DE44-816F-62408082637B}" type="datetimeFigureOut">
               <a:rPr lang="en-US" smtClean="0"/>
-              <a:t>6/21/25</a:t>
+              <a:t>6/22/25</a:t>
             </a:fld>
             <a:endParaRPr lang="en-US"/>
           </a:p>
@@ -5420,7 +5421,7 @@
           <a:p>
             <a:fld id="{2D197236-D285-DE44-816F-62408082637B}" type="datetimeFigureOut">
               <a:rPr lang="en-US" smtClean="0"/>
-              <a:t>6/21/25</a:t>
+              <a:t>6/22/25</a:t>
             </a:fld>
             <a:endParaRPr lang="en-US"/>
           </a:p>
@@ -5652,7 +5653,7 @@
           <a:p>
             <a:fld id="{2D197236-D285-DE44-816F-62408082637B}" type="datetimeFigureOut">
               <a:rPr lang="en-US" smtClean="0"/>
-              <a:t>6/21/25</a:t>
+              <a:t>6/22/25</a:t>
             </a:fld>
             <a:endParaRPr lang="en-US"/>
           </a:p>
@@ -6019,7 +6020,7 @@
           <a:p>
             <a:fld id="{2D197236-D285-DE44-816F-62408082637B}" type="datetimeFigureOut">
               <a:rPr lang="en-US" smtClean="0"/>
-              <a:t>6/21/25</a:t>
+              <a:t>6/22/25</a:t>
             </a:fld>
             <a:endParaRPr lang="en-US"/>
           </a:p>
@@ -6137,7 +6138,7 @@
           <a:p>
             <a:fld id="{2D197236-D285-DE44-816F-62408082637B}" type="datetimeFigureOut">
               <a:rPr lang="en-US" smtClean="0"/>
-              <a:t>6/21/25</a:t>
+              <a:t>6/22/25</a:t>
             </a:fld>
             <a:endParaRPr lang="en-US"/>
           </a:p>
@@ -6232,7 +6233,7 @@
           <a:p>
             <a:fld id="{2D197236-D285-DE44-816F-62408082637B}" type="datetimeFigureOut">
               <a:rPr lang="en-US" smtClean="0"/>
-              <a:t>6/21/25</a:t>
+              <a:t>6/22/25</a:t>
             </a:fld>
             <a:endParaRPr lang="en-US"/>
           </a:p>
@@ -6509,7 +6510,7 @@
           <a:p>
             <a:fld id="{2D197236-D285-DE44-816F-62408082637B}" type="datetimeFigureOut">
               <a:rPr lang="en-US" smtClean="0"/>
-              <a:t>6/21/25</a:t>
+              <a:t>6/22/25</a:t>
             </a:fld>
             <a:endParaRPr lang="en-US"/>
           </a:p>
@@ -6766,7 +6767,7 @@
           <a:p>
             <a:fld id="{2D197236-D285-DE44-816F-62408082637B}" type="datetimeFigureOut">
               <a:rPr lang="en-US" smtClean="0"/>
-              <a:t>6/21/25</a:t>
+              <a:t>6/22/25</a:t>
             </a:fld>
             <a:endParaRPr lang="en-US"/>
           </a:p>
@@ -6979,7 +6980,7 @@
           <a:p>
             <a:fld id="{2D197236-D285-DE44-816F-62408082637B}" type="datetimeFigureOut">
               <a:rPr lang="en-US" smtClean="0"/>
-              <a:t>6/21/25</a:t>
+              <a:t>6/22/25</a:t>
             </a:fld>
             <a:endParaRPr lang="en-US"/>
           </a:p>
@@ -7535,7 +7536,7 @@
           <a:p>
             <a:fld id="{2D197236-D285-DE44-816F-62408082637B}" type="datetimeFigureOut">
               <a:rPr lang="en-US" smtClean="0"/>
-              <a:t>6/21/25</a:t>
+              <a:t>6/22/25</a:t>
             </a:fld>
             <a:endParaRPr lang="en-US"/>
           </a:p>
@@ -11759,8 +11760,8 @@
           </a:p>
         </p:txBody>
       </p:sp>
-      <mc:AlternateContent xmlns:mc="http://schemas.openxmlformats.org/markup-compatibility/2006">
-        <mc:Choice xmlns:a14="http://schemas.microsoft.com/office/drawing/2010/main" Requires="a14">
+      <mc:AlternateContent xmlns:mc="http://schemas.openxmlformats.org/markup-compatibility/2006" xmlns:a14="http://schemas.microsoft.com/office/drawing/2010/main">
+        <mc:Choice Requires="a14">
           <p:sp>
             <p:nvSpPr>
               <p:cNvPr id="2" name="Title 1">
@@ -11855,7 +11856,7 @@
             </p:txBody>
           </p:sp>
         </mc:Choice>
-        <mc:Fallback>
+        <mc:Fallback xmlns="">
           <p:sp>
             <p:nvSpPr>
               <p:cNvPr id="2" name="Title 1">
@@ -12428,7 +12429,6 @@
           </a:bodyPr>
           <a:lstStyle/>
           <a:p>
-            <a:pPr/>
             <a:r>
               <a:rPr lang="en-US" sz="4100" kern="1200" dirty="0">
                 <a:solidFill>
@@ -12858,8 +12858,8 @@
           </a:p>
         </p:txBody>
       </p:sp>
-      <mc:AlternateContent xmlns:mc="http://schemas.openxmlformats.org/markup-compatibility/2006">
-        <mc:Choice xmlns:a14="http://schemas.microsoft.com/office/drawing/2010/main" Requires="a14">
+      <mc:AlternateContent xmlns:mc="http://schemas.openxmlformats.org/markup-compatibility/2006" xmlns:a14="http://schemas.microsoft.com/office/drawing/2010/main">
+        <mc:Choice Requires="a14">
           <p:sp>
             <p:nvSpPr>
               <p:cNvPr id="4" name="TextBox 3">
@@ -12945,7 +12945,7 @@
             </p:txBody>
           </p:sp>
         </mc:Choice>
-        <mc:Fallback>
+        <mc:Fallback xmlns="">
           <p:sp>
             <p:nvSpPr>
               <p:cNvPr id="4" name="TextBox 3">
@@ -13004,6 +13004,774 @@
 </file>
 
 <file path=ppt/slides/slide16.xml><?xml version="1.0" encoding="utf-8"?>
+<p:sld xmlns:a="http://schemas.openxmlformats.org/drawingml/2006/main" xmlns:r="http://schemas.openxmlformats.org/officeDocument/2006/relationships" xmlns:p="http://schemas.openxmlformats.org/presentationml/2006/main">
+  <p:cSld>
+    <p:bg>
+      <p:bgPr>
+        <a:solidFill>
+          <a:schemeClr val="bg1"/>
+        </a:solidFill>
+        <a:effectLst/>
+      </p:bgPr>
+    </p:bg>
+    <p:spTree>
+      <p:nvGrpSpPr>
+        <p:cNvPr id="1" name="">
+          <a:extLst>
+            <a:ext uri="{FF2B5EF4-FFF2-40B4-BE49-F238E27FC236}">
+              <a16:creationId xmlns:a16="http://schemas.microsoft.com/office/drawing/2014/main" id="{2CF31901-6CFE-A26D-B9AB-58A3AAB94824}"/>
+            </a:ext>
+          </a:extLst>
+        </p:cNvPr>
+        <p:cNvGrpSpPr/>
+        <p:nvPr/>
+      </p:nvGrpSpPr>
+      <p:grpSpPr>
+        <a:xfrm>
+          <a:off x="0" y="0"/>
+          <a:ext cx="0" cy="0"/>
+          <a:chOff x="0" y="0"/>
+          <a:chExt cx="0" cy="0"/>
+        </a:xfrm>
+      </p:grpSpPr>
+      <p:sp useBgFill="1">
+        <p:nvSpPr>
+          <p:cNvPr id="8" name="Rectangle 7">
+            <a:extLst>
+              <a:ext uri="{FF2B5EF4-FFF2-40B4-BE49-F238E27FC236}">
+                <a16:creationId xmlns:a16="http://schemas.microsoft.com/office/drawing/2014/main" id="{4E322A59-44D8-5EDC-1D1B-B465D09393C5}"/>
+              </a:ext>
+              <a:ext uri="{C183D7F6-B498-43B3-948B-1728B52AA6E4}">
+                <adec:decorative xmlns:adec="http://schemas.microsoft.com/office/drawing/2017/decorative" val="1"/>
+              </a:ext>
+            </a:extLst>
+          </p:cNvPr>
+          <p:cNvSpPr>
+            <a:spLocks noGrp="1" noRot="1" noChangeAspect="1" noMove="1" noResize="1" noEditPoints="1" noAdjustHandles="1" noChangeArrowheads="1" noChangeShapeType="1" noTextEdit="1"/>
+          </p:cNvSpPr>
+          <p:nvPr>
+            <p:extLst>
+              <p:ext uri="{386F3935-93C4-4BCD-93E2-E3B085C9AB24}">
+                <p16:designElem xmlns:p16="http://schemas.microsoft.com/office/powerpoint/2015/main" val="1"/>
+              </p:ext>
+            </p:extLst>
+          </p:nvPr>
+        </p:nvSpPr>
+        <p:spPr>
+          <a:xfrm>
+            <a:off x="0" y="0"/>
+            <a:ext cx="12188952" cy="6858000"/>
+          </a:xfrm>
+          <a:prstGeom prst="rect">
+            <a:avLst/>
+          </a:prstGeom>
+          <a:ln>
+            <a:noFill/>
+          </a:ln>
+        </p:spPr>
+        <p:style>
+          <a:lnRef idx="2">
+            <a:schemeClr val="accent1">
+              <a:shade val="50000"/>
+            </a:schemeClr>
+          </a:lnRef>
+          <a:fillRef idx="1">
+            <a:schemeClr val="accent1"/>
+          </a:fillRef>
+          <a:effectRef idx="0">
+            <a:schemeClr val="accent1"/>
+          </a:effectRef>
+          <a:fontRef idx="minor">
+            <a:schemeClr val="lt1"/>
+          </a:fontRef>
+        </p:style>
+        <p:txBody>
+          <a:bodyPr rtlCol="0" anchor="ctr"/>
+          <a:lstStyle/>
+          <a:p>
+            <a:pPr algn="ctr"/>
+            <a:endParaRPr lang="en-US"/>
+          </a:p>
+        </p:txBody>
+      </p:sp>
+      <mc:AlternateContent xmlns:mc="http://schemas.openxmlformats.org/markup-compatibility/2006" xmlns:a14="http://schemas.microsoft.com/office/drawing/2010/main">
+        <mc:Choice Requires="a14">
+          <p:sp>
+            <p:nvSpPr>
+              <p:cNvPr id="2" name="Title 1">
+                <a:extLst>
+                  <a:ext uri="{FF2B5EF4-FFF2-40B4-BE49-F238E27FC236}">
+                    <a16:creationId xmlns:a16="http://schemas.microsoft.com/office/drawing/2014/main" id="{E188AB83-9633-1E8C-2A1F-9CA7D995EBAE}"/>
+                  </a:ext>
+                </a:extLst>
+              </p:cNvPr>
+              <p:cNvSpPr>
+                <a:spLocks noGrp="1"/>
+              </p:cNvSpPr>
+              <p:nvPr>
+                <p:ph type="title"/>
+              </p:nvPr>
+            </p:nvSpPr>
+            <p:spPr>
+              <a:xfrm>
+                <a:off x="841248" y="548640"/>
+                <a:ext cx="3600860" cy="5431536"/>
+              </a:xfrm>
+            </p:spPr>
+            <p:txBody>
+              <a:bodyPr>
+                <a:normAutofit/>
+              </a:bodyPr>
+              <a:lstStyle/>
+              <a:p>
+                <a:pPr/>
+                <a:r>
+                  <a:rPr lang="en-US" sz="4800" dirty="0"/>
+                  <a:t>Regression of WGS onto Imputed Data</a:t>
+                </a:r>
+                <a:br>
+                  <a:rPr lang="en-US" sz="4800" dirty="0">
+                    <a:latin typeface="Cambria Math" panose="02040503050406030204" pitchFamily="18" charset="0"/>
+                  </a:rPr>
+                </a:br>
+                <a14:m>
+                  <m:oMathPara xmlns:m="http://schemas.openxmlformats.org/officeDocument/2006/math">
+                    <m:oMathParaPr>
+                      <m:jc m:val="left"/>
+                    </m:oMathParaPr>
+                    <m:oMath xmlns:m="http://schemas.openxmlformats.org/officeDocument/2006/math">
+                      <m:r>
+                        <a:rPr lang="en-US" sz="4800">
+                          <a:latin typeface="Cambria Math" panose="02040503050406030204" pitchFamily="18" charset="0"/>
+                        </a:rPr>
+                        <m:t>(</m:t>
+                      </m:r>
+                      <m:r>
+                        <a:rPr lang="en-US" sz="4800" i="1">
+                          <a:latin typeface="Cambria Math" panose="02040503050406030204" pitchFamily="18" charset="0"/>
+                        </a:rPr>
+                        <m:t>𝑔</m:t>
+                      </m:r>
+                      <m:r>
+                        <a:rPr lang="en-US" sz="4800" i="1">
+                          <a:latin typeface="Cambria Math" panose="02040503050406030204" pitchFamily="18" charset="0"/>
+                        </a:rPr>
+                        <m:t> ~ </m:t>
+                      </m:r>
+                      <m:acc>
+                        <m:accPr>
+                          <m:chr m:val="̂"/>
+                          <m:ctrlPr>
+                            <a:rPr lang="en-US" sz="4800" i="1">
+                              <a:latin typeface="Cambria Math" panose="02040503050406030204" pitchFamily="18" charset="0"/>
+                            </a:rPr>
+                          </m:ctrlPr>
+                        </m:accPr>
+                        <m:e>
+                          <m:r>
+                            <a:rPr lang="en-US" sz="4800" i="1">
+                              <a:latin typeface="Cambria Math" panose="02040503050406030204" pitchFamily="18" charset="0"/>
+                            </a:rPr>
+                            <m:t>𝑔</m:t>
+                          </m:r>
+                        </m:e>
+                      </m:acc>
+                      <m:r>
+                        <a:rPr lang="en-US" sz="4800" i="1">
+                          <a:latin typeface="Cambria Math" panose="02040503050406030204" pitchFamily="18" charset="0"/>
+                        </a:rPr>
+                        <m:t>)</m:t>
+                      </m:r>
+                    </m:oMath>
+                  </m:oMathPara>
+                </a14:m>
+                <a:endParaRPr lang="en-US" sz="4800" dirty="0"/>
+              </a:p>
+            </p:txBody>
+          </p:sp>
+        </mc:Choice>
+        <mc:Fallback xmlns="">
+          <p:sp>
+            <p:nvSpPr>
+              <p:cNvPr id="2" name="Title 1">
+                <a:extLst>
+                  <a:ext uri="{FF2B5EF4-FFF2-40B4-BE49-F238E27FC236}">
+                    <a16:creationId xmlns:a16="http://schemas.microsoft.com/office/drawing/2014/main" id="{E188AB83-9633-1E8C-2A1F-9CA7D995EBAE}"/>
+                  </a:ext>
+                </a:extLst>
+              </p:cNvPr>
+              <p:cNvSpPr>
+                <a:spLocks noGrp="1" noRot="1" noChangeAspect="1" noMove="1" noResize="1" noEditPoints="1" noAdjustHandles="1" noChangeArrowheads="1" noChangeShapeType="1" noTextEdit="1"/>
+              </p:cNvSpPr>
+              <p:nvPr>
+                <p:ph type="title"/>
+              </p:nvPr>
+            </p:nvSpPr>
+            <p:spPr>
+              <a:xfrm>
+                <a:off x="841248" y="548640"/>
+                <a:ext cx="3600860" cy="5431536"/>
+              </a:xfrm>
+              <a:blipFill>
+                <a:blip r:embed="rId2"/>
+                <a:stretch>
+                  <a:fillRect l="-7746" r="-8803"/>
+                </a:stretch>
+              </a:blipFill>
+            </p:spPr>
+            <p:txBody>
+              <a:bodyPr/>
+              <a:lstStyle/>
+              <a:p>
+                <a:r>
+                  <a:rPr lang="en-US">
+                    <a:noFill/>
+                  </a:rPr>
+                  <a:t> </a:t>
+                </a:r>
+              </a:p>
+            </p:txBody>
+          </p:sp>
+        </mc:Fallback>
+      </mc:AlternateContent>
+      <p:sp>
+        <p:nvSpPr>
+          <p:cNvPr id="10" name="sketch line">
+            <a:extLst>
+              <a:ext uri="{FF2B5EF4-FFF2-40B4-BE49-F238E27FC236}">
+                <a16:creationId xmlns:a16="http://schemas.microsoft.com/office/drawing/2014/main" id="{9F18B8D5-0406-2966-6F22-FAAF1F476214}"/>
+              </a:ext>
+              <a:ext uri="{C183D7F6-B498-43B3-948B-1728B52AA6E4}">
+                <adec:decorative xmlns:adec="http://schemas.microsoft.com/office/drawing/2017/decorative" val="1"/>
+              </a:ext>
+            </a:extLst>
+          </p:cNvPr>
+          <p:cNvSpPr>
+            <a:spLocks noGrp="1" noRot="1" noChangeAspect="1" noMove="1" noResize="1" noEditPoints="1" noAdjustHandles="1" noChangeArrowheads="1" noChangeShapeType="1" noTextEdit="1"/>
+          </p:cNvSpPr>
+          <p:nvPr>
+            <p:extLst>
+              <p:ext uri="{386F3935-93C4-4BCD-93E2-E3B085C9AB24}">
+                <p16:designElem xmlns:p16="http://schemas.microsoft.com/office/powerpoint/2015/main" val="1"/>
+              </p:ext>
+            </p:extLst>
+          </p:nvPr>
+        </p:nvSpPr>
+        <p:spPr>
+          <a:xfrm rot="5400000">
+            <a:off x="2543983" y="3258715"/>
+            <a:ext cx="4480560" cy="18288"/>
+          </a:xfrm>
+          <a:custGeom>
+            <a:avLst/>
+            <a:gdLst>
+              <a:gd name="connsiteX0" fmla="*/ 0 w 4480560"/>
+              <a:gd name="connsiteY0" fmla="*/ 0 h 18288"/>
+              <a:gd name="connsiteX1" fmla="*/ 595274 w 4480560"/>
+              <a:gd name="connsiteY1" fmla="*/ 0 h 18288"/>
+              <a:gd name="connsiteX2" fmla="*/ 1100938 w 4480560"/>
+              <a:gd name="connsiteY2" fmla="*/ 0 h 18288"/>
+              <a:gd name="connsiteX3" fmla="*/ 1651406 w 4480560"/>
+              <a:gd name="connsiteY3" fmla="*/ 0 h 18288"/>
+              <a:gd name="connsiteX4" fmla="*/ 2336292 w 4480560"/>
+              <a:gd name="connsiteY4" fmla="*/ 0 h 18288"/>
+              <a:gd name="connsiteX5" fmla="*/ 2931566 w 4480560"/>
+              <a:gd name="connsiteY5" fmla="*/ 0 h 18288"/>
+              <a:gd name="connsiteX6" fmla="*/ 3482035 w 4480560"/>
+              <a:gd name="connsiteY6" fmla="*/ 0 h 18288"/>
+              <a:gd name="connsiteX7" fmla="*/ 4480560 w 4480560"/>
+              <a:gd name="connsiteY7" fmla="*/ 0 h 18288"/>
+              <a:gd name="connsiteX8" fmla="*/ 4480560 w 4480560"/>
+              <a:gd name="connsiteY8" fmla="*/ 18288 h 18288"/>
+              <a:gd name="connsiteX9" fmla="*/ 3840480 w 4480560"/>
+              <a:gd name="connsiteY9" fmla="*/ 18288 h 18288"/>
+              <a:gd name="connsiteX10" fmla="*/ 3290011 w 4480560"/>
+              <a:gd name="connsiteY10" fmla="*/ 18288 h 18288"/>
+              <a:gd name="connsiteX11" fmla="*/ 2560320 w 4480560"/>
+              <a:gd name="connsiteY11" fmla="*/ 18288 h 18288"/>
+              <a:gd name="connsiteX12" fmla="*/ 1965046 w 4480560"/>
+              <a:gd name="connsiteY12" fmla="*/ 18288 h 18288"/>
+              <a:gd name="connsiteX13" fmla="*/ 1459382 w 4480560"/>
+              <a:gd name="connsiteY13" fmla="*/ 18288 h 18288"/>
+              <a:gd name="connsiteX14" fmla="*/ 774497 w 4480560"/>
+              <a:gd name="connsiteY14" fmla="*/ 18288 h 18288"/>
+              <a:gd name="connsiteX15" fmla="*/ 0 w 4480560"/>
+              <a:gd name="connsiteY15" fmla="*/ 18288 h 18288"/>
+              <a:gd name="connsiteX16" fmla="*/ 0 w 4480560"/>
+              <a:gd name="connsiteY16" fmla="*/ 0 h 18288"/>
+            </a:gdLst>
+            <a:ahLst/>
+            <a:cxnLst>
+              <a:cxn ang="0">
+                <a:pos x="connsiteX0" y="connsiteY0"/>
+              </a:cxn>
+              <a:cxn ang="0">
+                <a:pos x="connsiteX1" y="connsiteY1"/>
+              </a:cxn>
+              <a:cxn ang="0">
+                <a:pos x="connsiteX2" y="connsiteY2"/>
+              </a:cxn>
+              <a:cxn ang="0">
+                <a:pos x="connsiteX3" y="connsiteY3"/>
+              </a:cxn>
+              <a:cxn ang="0">
+                <a:pos x="connsiteX4" y="connsiteY4"/>
+              </a:cxn>
+              <a:cxn ang="0">
+                <a:pos x="connsiteX5" y="connsiteY5"/>
+              </a:cxn>
+              <a:cxn ang="0">
+                <a:pos x="connsiteX6" y="connsiteY6"/>
+              </a:cxn>
+              <a:cxn ang="0">
+                <a:pos x="connsiteX7" y="connsiteY7"/>
+              </a:cxn>
+              <a:cxn ang="0">
+                <a:pos x="connsiteX8" y="connsiteY8"/>
+              </a:cxn>
+              <a:cxn ang="0">
+                <a:pos x="connsiteX9" y="connsiteY9"/>
+              </a:cxn>
+              <a:cxn ang="0">
+                <a:pos x="connsiteX10" y="connsiteY10"/>
+              </a:cxn>
+              <a:cxn ang="0">
+                <a:pos x="connsiteX11" y="connsiteY11"/>
+              </a:cxn>
+              <a:cxn ang="0">
+                <a:pos x="connsiteX12" y="connsiteY12"/>
+              </a:cxn>
+              <a:cxn ang="0">
+                <a:pos x="connsiteX13" y="connsiteY13"/>
+              </a:cxn>
+              <a:cxn ang="0">
+                <a:pos x="connsiteX14" y="connsiteY14"/>
+              </a:cxn>
+              <a:cxn ang="0">
+                <a:pos x="connsiteX15" y="connsiteY15"/>
+              </a:cxn>
+              <a:cxn ang="0">
+                <a:pos x="connsiteX16" y="connsiteY16"/>
+              </a:cxn>
+            </a:cxnLst>
+            <a:rect l="l" t="t" r="r" b="b"/>
+            <a:pathLst>
+              <a:path w="4480560" h="18288" fill="none" extrusionOk="0">
+                <a:moveTo>
+                  <a:pt x="0" y="0"/>
+                </a:moveTo>
+                <a:cubicBezTo>
+                  <a:pt x="267821" y="8731"/>
+                  <a:pt x="334105" y="2629"/>
+                  <a:pt x="595274" y="0"/>
+                </a:cubicBezTo>
+                <a:cubicBezTo>
+                  <a:pt x="856443" y="-2629"/>
+                  <a:pt x="863808" y="-13353"/>
+                  <a:pt x="1100938" y="0"/>
+                </a:cubicBezTo>
+                <a:cubicBezTo>
+                  <a:pt x="1338068" y="13353"/>
+                  <a:pt x="1431663" y="-25862"/>
+                  <a:pt x="1651406" y="0"/>
+                </a:cubicBezTo>
+                <a:cubicBezTo>
+                  <a:pt x="1871149" y="25862"/>
+                  <a:pt x="2173163" y="23827"/>
+                  <a:pt x="2336292" y="0"/>
+                </a:cubicBezTo>
+                <a:cubicBezTo>
+                  <a:pt x="2499421" y="-23827"/>
+                  <a:pt x="2720589" y="28148"/>
+                  <a:pt x="2931566" y="0"/>
+                </a:cubicBezTo>
+                <a:cubicBezTo>
+                  <a:pt x="3142543" y="-28148"/>
+                  <a:pt x="3323630" y="27022"/>
+                  <a:pt x="3482035" y="0"/>
+                </a:cubicBezTo>
+                <a:cubicBezTo>
+                  <a:pt x="3640440" y="-27022"/>
+                  <a:pt x="4012110" y="-20118"/>
+                  <a:pt x="4480560" y="0"/>
+                </a:cubicBezTo>
+                <a:cubicBezTo>
+                  <a:pt x="4480958" y="7429"/>
+                  <a:pt x="4480540" y="10822"/>
+                  <a:pt x="4480560" y="18288"/>
+                </a:cubicBezTo>
+                <a:cubicBezTo>
+                  <a:pt x="4314132" y="14924"/>
+                  <a:pt x="4028383" y="36632"/>
+                  <a:pt x="3840480" y="18288"/>
+                </a:cubicBezTo>
+                <a:cubicBezTo>
+                  <a:pt x="3652577" y="-56"/>
+                  <a:pt x="3547615" y="2848"/>
+                  <a:pt x="3290011" y="18288"/>
+                </a:cubicBezTo>
+                <a:cubicBezTo>
+                  <a:pt x="3032407" y="33728"/>
+                  <a:pt x="2830268" y="8719"/>
+                  <a:pt x="2560320" y="18288"/>
+                </a:cubicBezTo>
+                <a:cubicBezTo>
+                  <a:pt x="2290372" y="27857"/>
+                  <a:pt x="2147422" y="6728"/>
+                  <a:pt x="1965046" y="18288"/>
+                </a:cubicBezTo>
+                <a:cubicBezTo>
+                  <a:pt x="1782670" y="29848"/>
+                  <a:pt x="1689791" y="40680"/>
+                  <a:pt x="1459382" y="18288"/>
+                </a:cubicBezTo>
+                <a:cubicBezTo>
+                  <a:pt x="1228973" y="-4104"/>
+                  <a:pt x="915486" y="36501"/>
+                  <a:pt x="774497" y="18288"/>
+                </a:cubicBezTo>
+                <a:cubicBezTo>
+                  <a:pt x="633508" y="75"/>
+                  <a:pt x="361442" y="-11107"/>
+                  <a:pt x="0" y="18288"/>
+                </a:cubicBezTo>
+                <a:cubicBezTo>
+                  <a:pt x="-591" y="13205"/>
+                  <a:pt x="-663" y="6329"/>
+                  <a:pt x="0" y="0"/>
+                </a:cubicBezTo>
+                <a:close/>
+              </a:path>
+              <a:path w="4480560" h="18288" stroke="0" extrusionOk="0">
+                <a:moveTo>
+                  <a:pt x="0" y="0"/>
+                </a:moveTo>
+                <a:cubicBezTo>
+                  <a:pt x="285465" y="225"/>
+                  <a:pt x="322691" y="16223"/>
+                  <a:pt x="595274" y="0"/>
+                </a:cubicBezTo>
+                <a:cubicBezTo>
+                  <a:pt x="867857" y="-16223"/>
+                  <a:pt x="989129" y="-11242"/>
+                  <a:pt x="1100938" y="0"/>
+                </a:cubicBezTo>
+                <a:cubicBezTo>
+                  <a:pt x="1212747" y="11242"/>
+                  <a:pt x="1574350" y="-36410"/>
+                  <a:pt x="1830629" y="0"/>
+                </a:cubicBezTo>
+                <a:cubicBezTo>
+                  <a:pt x="2086908" y="36410"/>
+                  <a:pt x="2180922" y="4645"/>
+                  <a:pt x="2425903" y="0"/>
+                </a:cubicBezTo>
+                <a:cubicBezTo>
+                  <a:pt x="2670884" y="-4645"/>
+                  <a:pt x="2782024" y="22929"/>
+                  <a:pt x="3021178" y="0"/>
+                </a:cubicBezTo>
+                <a:cubicBezTo>
+                  <a:pt x="3260332" y="-22929"/>
+                  <a:pt x="3456982" y="-1586"/>
+                  <a:pt x="3750869" y="0"/>
+                </a:cubicBezTo>
+                <a:cubicBezTo>
+                  <a:pt x="4044756" y="1586"/>
+                  <a:pt x="4302726" y="17043"/>
+                  <a:pt x="4480560" y="0"/>
+                </a:cubicBezTo>
+                <a:cubicBezTo>
+                  <a:pt x="4479674" y="5429"/>
+                  <a:pt x="4481381" y="14046"/>
+                  <a:pt x="4480560" y="18288"/>
+                </a:cubicBezTo>
+                <a:cubicBezTo>
+                  <a:pt x="4279652" y="-6850"/>
+                  <a:pt x="4200762" y="41566"/>
+                  <a:pt x="3930091" y="18288"/>
+                </a:cubicBezTo>
+                <a:cubicBezTo>
+                  <a:pt x="3659420" y="-4990"/>
+                  <a:pt x="3456052" y="22294"/>
+                  <a:pt x="3290011" y="18288"/>
+                </a:cubicBezTo>
+                <a:cubicBezTo>
+                  <a:pt x="3123970" y="14282"/>
+                  <a:pt x="2882392" y="32818"/>
+                  <a:pt x="2649931" y="18288"/>
+                </a:cubicBezTo>
+                <a:cubicBezTo>
+                  <a:pt x="2417470" y="3758"/>
+                  <a:pt x="2238426" y="7337"/>
+                  <a:pt x="2054657" y="18288"/>
+                </a:cubicBezTo>
+                <a:cubicBezTo>
+                  <a:pt x="1870888" y="29239"/>
+                  <a:pt x="1566368" y="45040"/>
+                  <a:pt x="1324966" y="18288"/>
+                </a:cubicBezTo>
+                <a:cubicBezTo>
+                  <a:pt x="1083564" y="-8464"/>
+                  <a:pt x="787410" y="10946"/>
+                  <a:pt x="595274" y="18288"/>
+                </a:cubicBezTo>
+                <a:cubicBezTo>
+                  <a:pt x="403138" y="25630"/>
+                  <a:pt x="169622" y="10499"/>
+                  <a:pt x="0" y="18288"/>
+                </a:cubicBezTo>
+                <a:cubicBezTo>
+                  <a:pt x="668" y="13665"/>
+                  <a:pt x="578" y="5675"/>
+                  <a:pt x="0" y="0"/>
+                </a:cubicBezTo>
+                <a:close/>
+              </a:path>
+            </a:pathLst>
+          </a:custGeom>
+          <a:solidFill>
+            <a:schemeClr val="accent2"/>
+          </a:solidFill>
+          <a:ln w="41275" cap="rnd">
+            <a:solidFill>
+              <a:schemeClr val="accent2"/>
+            </a:solidFill>
+            <a:round/>
+            <a:extLst>
+              <a:ext uri="{C807C97D-BFC1-408E-A445-0C87EB9F89A2}">
+                <ask:lineSketchStyleProps xmlns:ask="http://schemas.microsoft.com/office/drawing/2018/sketchyshapes" sd="1219033472">
+                  <a:prstGeom prst="rect">
+                    <a:avLst/>
+                  </a:prstGeom>
+                  <ask:type>
+                    <ask:lineSketchFreehand/>
+                  </ask:type>
+                </ask:lineSketchStyleProps>
+              </a:ext>
+            </a:extLst>
+          </a:ln>
+        </p:spPr>
+        <p:style>
+          <a:lnRef idx="2">
+            <a:schemeClr val="accent1">
+              <a:shade val="50000"/>
+            </a:schemeClr>
+          </a:lnRef>
+          <a:fillRef idx="1">
+            <a:schemeClr val="accent1"/>
+          </a:fillRef>
+          <a:effectRef idx="0">
+            <a:schemeClr val="accent1"/>
+          </a:effectRef>
+          <a:fontRef idx="minor">
+            <a:schemeClr val="lt1"/>
+          </a:fontRef>
+        </p:style>
+        <p:txBody>
+          <a:bodyPr rtlCol="0" anchor="ctr"/>
+          <a:lstStyle/>
+          <a:p>
+            <a:pPr algn="ctr"/>
+            <a:endParaRPr lang="en-US"/>
+          </a:p>
+        </p:txBody>
+      </p:sp>
+      <mc:AlternateContent xmlns:mc="http://schemas.openxmlformats.org/markup-compatibility/2006" xmlns:a14="http://schemas.microsoft.com/office/drawing/2010/main">
+        <mc:Choice Requires="a14">
+          <p:sp>
+            <p:nvSpPr>
+              <p:cNvPr id="3" name="Content Placeholder 2">
+                <a:extLst>
+                  <a:ext uri="{FF2B5EF4-FFF2-40B4-BE49-F238E27FC236}">
+                    <a16:creationId xmlns:a16="http://schemas.microsoft.com/office/drawing/2014/main" id="{180108EA-A60B-2C3E-AEA0-DAF063976D2E}"/>
+                  </a:ext>
+                </a:extLst>
+              </p:cNvPr>
+              <p:cNvSpPr>
+                <a:spLocks noGrp="1"/>
+              </p:cNvSpPr>
+              <p:nvPr>
+                <p:ph idx="1"/>
+              </p:nvPr>
+            </p:nvSpPr>
+            <p:spPr>
+              <a:xfrm>
+                <a:off x="5126418" y="871759"/>
+                <a:ext cx="6224335" cy="5431536"/>
+              </a:xfrm>
+            </p:spPr>
+            <p:txBody>
+              <a:bodyPr anchor="ctr">
+                <a:normAutofit/>
+              </a:bodyPr>
+              <a:lstStyle/>
+              <a:p>
+                <a:r>
+                  <a:rPr lang="en-US" sz="2600" dirty="0">
+                    <a:latin typeface="Georgia" panose="02040502050405020303" pitchFamily="18" charset="0"/>
+                    <a:ea typeface="Aptos" panose="020B0004020202020204" pitchFamily="34" charset="0"/>
+                    <a:cs typeface="Arial" panose="020B0604020202020204" pitchFamily="34" charset="0"/>
+                  </a:rPr>
+                  <a:t>Info Score is the </a:t>
+                </a:r>
+                <a14:m>
+                  <m:oMath xmlns:m="http://schemas.openxmlformats.org/officeDocument/2006/math">
+                    <m:sSup>
+                      <m:sSupPr>
+                        <m:ctrlPr>
+                          <a:rPr lang="en-US" sz="2600" b="0" i="1" smtClean="0">
+                            <a:latin typeface="Cambria Math" panose="02040503050406030204" pitchFamily="18" charset="0"/>
+                            <a:cs typeface="Arial" panose="020B0604020202020204" pitchFamily="34" charset="0"/>
+                          </a:rPr>
+                        </m:ctrlPr>
+                      </m:sSupPr>
+                      <m:e>
+                        <m:r>
+                          <a:rPr lang="en-US" sz="2600" b="0" i="1" smtClean="0">
+                            <a:latin typeface="Cambria Math" panose="02040503050406030204" pitchFamily="18" charset="0"/>
+                            <a:cs typeface="Arial" panose="020B0604020202020204" pitchFamily="34" charset="0"/>
+                          </a:rPr>
+                          <m:t>𝑅</m:t>
+                        </m:r>
+                      </m:e>
+                      <m:sup>
+                        <m:r>
+                          <a:rPr lang="en-US" sz="2600" b="0" i="1" smtClean="0">
+                            <a:latin typeface="Cambria Math" panose="02040503050406030204" pitchFamily="18" charset="0"/>
+                            <a:cs typeface="Arial" panose="020B0604020202020204" pitchFamily="34" charset="0"/>
+                          </a:rPr>
+                          <m:t>2</m:t>
+                        </m:r>
+                      </m:sup>
+                    </m:sSup>
+                  </m:oMath>
+                </a14:m>
+                <a:r>
+                  <a:rPr lang="en-US" sz="2600" dirty="0">
+                    <a:latin typeface="Georgia" panose="02040502050405020303" pitchFamily="18" charset="0"/>
+                    <a:ea typeface="Aptos" panose="020B0004020202020204" pitchFamily="34" charset="0"/>
+                    <a:cs typeface="Arial" panose="020B0604020202020204" pitchFamily="34" charset="0"/>
+                  </a:rPr>
+                  <a:t> from this simple regression.</a:t>
+                </a:r>
+              </a:p>
+              <a:p>
+                <a:r>
+                  <a:rPr lang="en-US" sz="2600" dirty="0">
+                    <a:latin typeface="Georgia" panose="02040502050405020303" pitchFamily="18" charset="0"/>
+                    <a:ea typeface="Aptos" panose="020B0004020202020204" pitchFamily="34" charset="0"/>
+                    <a:cs typeface="Arial" panose="020B0604020202020204" pitchFamily="34" charset="0"/>
+                  </a:rPr>
+                  <a:t>So, if we plot </a:t>
+                </a:r>
+                <a14:m>
+                  <m:oMath xmlns:m="http://schemas.openxmlformats.org/officeDocument/2006/math">
+                    <m:sSup>
+                      <m:sSupPr>
+                        <m:ctrlPr>
+                          <a:rPr lang="en-US" sz="2600" i="1">
+                            <a:latin typeface="Cambria Math" panose="02040503050406030204" pitchFamily="18" charset="0"/>
+                            <a:cs typeface="Arial" panose="020B0604020202020204" pitchFamily="34" charset="0"/>
+                          </a:rPr>
+                        </m:ctrlPr>
+                      </m:sSupPr>
+                      <m:e>
+                        <m:r>
+                          <a:rPr lang="en-US" sz="2600" i="1">
+                            <a:latin typeface="Cambria Math" panose="02040503050406030204" pitchFamily="18" charset="0"/>
+                            <a:cs typeface="Arial" panose="020B0604020202020204" pitchFamily="34" charset="0"/>
+                          </a:rPr>
+                          <m:t>𝑅</m:t>
+                        </m:r>
+                      </m:e>
+                      <m:sup>
+                        <m:r>
+                          <a:rPr lang="en-US" sz="2600" i="1">
+                            <a:latin typeface="Cambria Math" panose="02040503050406030204" pitchFamily="18" charset="0"/>
+                            <a:cs typeface="Arial" panose="020B0604020202020204" pitchFamily="34" charset="0"/>
+                          </a:rPr>
+                          <m:t>2</m:t>
+                        </m:r>
+                      </m:sup>
+                    </m:sSup>
+                  </m:oMath>
+                </a14:m>
+                <a:r>
+                  <a:rPr lang="en-US" sz="2600" dirty="0">
+                    <a:latin typeface="Georgia" panose="02040502050405020303" pitchFamily="18" charset="0"/>
+                    <a:ea typeface="Aptos" panose="020B0004020202020204" pitchFamily="34" charset="0"/>
+                    <a:cs typeface="Arial" panose="020B0604020202020204" pitchFamily="34" charset="0"/>
+                  </a:rPr>
+                  <a:t> vs Info Score all the dots should lie on the 45-degree line.</a:t>
+                </a:r>
+              </a:p>
+              <a:p>
+                <a:endParaRPr lang="en-US" sz="2400" dirty="0">
+                  <a:latin typeface="CMSS10"/>
+                </a:endParaRPr>
+              </a:p>
+            </p:txBody>
+          </p:sp>
+        </mc:Choice>
+        <mc:Fallback xmlns="">
+          <p:sp>
+            <p:nvSpPr>
+              <p:cNvPr id="3" name="Content Placeholder 2">
+                <a:extLst>
+                  <a:ext uri="{FF2B5EF4-FFF2-40B4-BE49-F238E27FC236}">
+                    <a16:creationId xmlns:a16="http://schemas.microsoft.com/office/drawing/2014/main" id="{180108EA-A60B-2C3E-AEA0-DAF063976D2E}"/>
+                  </a:ext>
+                </a:extLst>
+              </p:cNvPr>
+              <p:cNvSpPr>
+                <a:spLocks noGrp="1" noRot="1" noChangeAspect="1" noMove="1" noResize="1" noEditPoints="1" noAdjustHandles="1" noChangeArrowheads="1" noChangeShapeType="1" noTextEdit="1"/>
+              </p:cNvSpPr>
+              <p:nvPr>
+                <p:ph idx="1"/>
+              </p:nvPr>
+            </p:nvSpPr>
+            <p:spPr>
+              <a:xfrm>
+                <a:off x="5126418" y="871759"/>
+                <a:ext cx="6224335" cy="5431536"/>
+              </a:xfrm>
+              <a:blipFill>
+                <a:blip r:embed="rId3"/>
+                <a:stretch>
+                  <a:fillRect l="-1426"/>
+                </a:stretch>
+              </a:blipFill>
+            </p:spPr>
+            <p:txBody>
+              <a:bodyPr/>
+              <a:lstStyle/>
+              <a:p>
+                <a:r>
+                  <a:rPr lang="en-US">
+                    <a:noFill/>
+                  </a:rPr>
+                  <a:t> </a:t>
+                </a:r>
+              </a:p>
+            </p:txBody>
+          </p:sp>
+        </mc:Fallback>
+      </mc:AlternateContent>
+    </p:spTree>
+    <p:extLst>
+      <p:ext uri="{BB962C8B-B14F-4D97-AF65-F5344CB8AC3E}">
+        <p14:creationId xmlns:p14="http://schemas.microsoft.com/office/powerpoint/2010/main" val="1611612245"/>
+      </p:ext>
+    </p:extLst>
+  </p:cSld>
+  <p:clrMapOvr>
+    <a:masterClrMapping/>
+  </p:clrMapOvr>
+</p:sld>
+</file>
+
+<file path=ppt/slides/slide17.xml><?xml version="1.0" encoding="utf-8"?>
 <p:sld xmlns:a="http://schemas.openxmlformats.org/drawingml/2006/main" xmlns:r="http://schemas.openxmlformats.org/officeDocument/2006/relationships" xmlns:p="http://schemas.openxmlformats.org/presentationml/2006/main">
   <p:cSld>
     <p:bg>
@@ -13088,8 +13856,8 @@
           </a:p>
         </p:txBody>
       </p:sp>
-      <mc:AlternateContent xmlns:mc="http://schemas.openxmlformats.org/markup-compatibility/2006">
-        <mc:Choice xmlns:a14="http://schemas.microsoft.com/office/drawing/2010/main" Requires="a14">
+      <mc:AlternateContent xmlns:mc="http://schemas.openxmlformats.org/markup-compatibility/2006" xmlns:a14="http://schemas.microsoft.com/office/drawing/2010/main">
+        <mc:Choice Requires="a14">
           <p:sp>
             <p:nvSpPr>
               <p:cNvPr id="2" name="Title 1">
@@ -13304,7 +14072,7 @@
             </p:txBody>
           </p:sp>
         </mc:Choice>
-        <mc:Fallback>
+        <mc:Fallback xmlns="">
           <p:sp>
             <p:nvSpPr>
               <p:cNvPr id="2" name="Title 1">
@@ -13719,7 +14487,7 @@
 </p:sld>
 </file>
 
-<file path=ppt/slides/slide17.xml><?xml version="1.0" encoding="utf-8"?>
+<file path=ppt/slides/slide18.xml><?xml version="1.0" encoding="utf-8"?>
 <p:sld xmlns:a="http://schemas.openxmlformats.org/drawingml/2006/main" xmlns:r="http://schemas.openxmlformats.org/officeDocument/2006/relationships" xmlns:p="http://schemas.openxmlformats.org/presentationml/2006/main">
   <p:cSld>
     <p:bg>
@@ -14480,8 +15248,8 @@
           </a:p>
         </p:txBody>
       </p:sp>
-      <mc:AlternateContent xmlns:mc="http://schemas.openxmlformats.org/markup-compatibility/2006">
-        <mc:Choice xmlns:a14="http://schemas.microsoft.com/office/drawing/2010/main" Requires="a14">
+      <mc:AlternateContent xmlns:mc="http://schemas.openxmlformats.org/markup-compatibility/2006" xmlns:a14="http://schemas.microsoft.com/office/drawing/2010/main">
+        <mc:Choice Requires="a14">
           <p:sp>
             <p:nvSpPr>
               <p:cNvPr id="3" name="Content Placeholder 2">
@@ -14925,7 +15693,7 @@
             </p:txBody>
           </p:sp>
         </mc:Choice>
-        <mc:Fallback>
+        <mc:Fallback xmlns="">
           <p:sp>
             <p:nvSpPr>
               <p:cNvPr id="3" name="Content Placeholder 2">
@@ -14982,7 +15750,7 @@
 </p:sld>
 </file>
 
-<file path=ppt/slides/slide18.xml><?xml version="1.0" encoding="utf-8"?>
+<file path=ppt/slides/slide19.xml><?xml version="1.0" encoding="utf-8"?>
 <p:sld xmlns:a="http://schemas.openxmlformats.org/drawingml/2006/main" xmlns:r="http://schemas.openxmlformats.org/officeDocument/2006/relationships" xmlns:p="http://schemas.openxmlformats.org/presentationml/2006/main">
   <p:cSld>
     <p:bg>
@@ -15771,35 +16539,6 @@
       </p:sp>
       <p:pic>
         <p:nvPicPr>
-          <p:cNvPr id="8" name="Content Placeholder 7" descr="A graph of a normal q-q plot&#10;&#10;AI-generated content may be incorrect.">
-            <a:extLst>
-              <a:ext uri="{FF2B5EF4-FFF2-40B4-BE49-F238E27FC236}">
-                <a16:creationId xmlns:a16="http://schemas.microsoft.com/office/drawing/2014/main" id="{CC162E82-45AA-A12B-377F-4CF501FAD8C1}"/>
-              </a:ext>
-            </a:extLst>
-          </p:cNvPr>
-          <p:cNvPicPr>
-            <a:picLocks noChangeAspect="1"/>
-          </p:cNvPicPr>
-          <p:nvPr/>
-        </p:nvPicPr>
-        <p:blipFill>
-          <a:blip r:embed="rId4"/>
-          <a:srcRect t="13255" r="3249" b="2879"/>
-          <a:stretch/>
-        </p:blipFill>
-        <p:spPr>
-          <a:xfrm>
-            <a:off x="780966" y="3679903"/>
-            <a:ext cx="2979718" cy="2150254"/>
-          </a:xfrm>
-          <a:prstGeom prst="rect">
-            <a:avLst/>
-          </a:prstGeom>
-        </p:spPr>
-      </p:pic>
-      <p:pic>
-        <p:nvPicPr>
           <p:cNvPr id="4" name="Picture 3" descr="A graph showing a line of points&#10;&#10;AI-generated content may be incorrect.">
             <a:extLst>
               <a:ext uri="{FF2B5EF4-FFF2-40B4-BE49-F238E27FC236}">
@@ -15813,7 +16552,7 @@
           <p:nvPr/>
         </p:nvPicPr>
         <p:blipFill>
-          <a:blip r:embed="rId5"/>
+          <a:blip r:embed="rId4"/>
           <a:stretch>
             <a:fillRect/>
           </a:stretch>
@@ -15841,7 +16580,473 @@
 </p:sld>
 </file>
 
-<file path=ppt/slides/slide19.xml><?xml version="1.0" encoding="utf-8"?>
+<file path=ppt/slides/slide2.xml><?xml version="1.0" encoding="utf-8"?>
+<p:sld xmlns:a="http://schemas.openxmlformats.org/drawingml/2006/main" xmlns:r="http://schemas.openxmlformats.org/officeDocument/2006/relationships" xmlns:p="http://schemas.openxmlformats.org/presentationml/2006/main">
+  <p:cSld>
+    <p:bg>
+      <p:bgPr>
+        <a:solidFill>
+          <a:schemeClr val="bg1"/>
+        </a:solidFill>
+        <a:effectLst/>
+      </p:bgPr>
+    </p:bg>
+    <p:spTree>
+      <p:nvGrpSpPr>
+        <p:cNvPr id="1" name=""/>
+        <p:cNvGrpSpPr/>
+        <p:nvPr/>
+      </p:nvGrpSpPr>
+      <p:grpSpPr>
+        <a:xfrm>
+          <a:off x="0" y="0"/>
+          <a:ext cx="0" cy="0"/>
+          <a:chOff x="0" y="0"/>
+          <a:chExt cx="0" cy="0"/>
+        </a:xfrm>
+      </p:grpSpPr>
+      <p:sp useBgFill="1">
+        <p:nvSpPr>
+          <p:cNvPr id="38" name="Rectangle 37">
+            <a:extLst>
+              <a:ext uri="{FF2B5EF4-FFF2-40B4-BE49-F238E27FC236}">
+                <a16:creationId xmlns:a16="http://schemas.microsoft.com/office/drawing/2014/main" id="{8B9AA7C6-5E5A-498E-A6DF-A943376E09BC}"/>
+              </a:ext>
+              <a:ext uri="{C183D7F6-B498-43B3-948B-1728B52AA6E4}">
+                <adec:decorative xmlns:adec="http://schemas.microsoft.com/office/drawing/2017/decorative" val="1"/>
+              </a:ext>
+            </a:extLst>
+          </p:cNvPr>
+          <p:cNvSpPr>
+            <a:spLocks noGrp="1" noRot="1" noChangeAspect="1" noMove="1" noResize="1" noEditPoints="1" noAdjustHandles="1" noChangeArrowheads="1" noChangeShapeType="1" noTextEdit="1"/>
+          </p:cNvSpPr>
+          <p:nvPr>
+            <p:extLst>
+              <p:ext uri="{386F3935-93C4-4BCD-93E2-E3B085C9AB24}">
+                <p16:designElem xmlns:p16="http://schemas.microsoft.com/office/powerpoint/2015/main" val="1"/>
+              </p:ext>
+            </p:extLst>
+          </p:nvPr>
+        </p:nvSpPr>
+        <p:spPr>
+          <a:xfrm>
+            <a:off x="0" y="0"/>
+            <a:ext cx="12191999" cy="6857365"/>
+          </a:xfrm>
+          <a:prstGeom prst="rect">
+            <a:avLst/>
+          </a:prstGeom>
+          <a:ln>
+            <a:noFill/>
+          </a:ln>
+        </p:spPr>
+        <p:style>
+          <a:lnRef idx="2">
+            <a:schemeClr val="accent1">
+              <a:shade val="50000"/>
+            </a:schemeClr>
+          </a:lnRef>
+          <a:fillRef idx="1">
+            <a:schemeClr val="accent1"/>
+          </a:fillRef>
+          <a:effectRef idx="0">
+            <a:schemeClr val="accent1"/>
+          </a:effectRef>
+          <a:fontRef idx="minor">
+            <a:schemeClr val="lt1"/>
+          </a:fontRef>
+        </p:style>
+        <p:txBody>
+          <a:bodyPr rtlCol="0" anchor="ctr"/>
+          <a:lstStyle/>
+          <a:p>
+            <a:pPr algn="ctr"/>
+            <a:endParaRPr lang="en-US"/>
+          </a:p>
+        </p:txBody>
+      </p:sp>
+      <p:grpSp>
+        <p:nvGrpSpPr>
+          <p:cNvPr id="40" name="Group 39">
+            <a:extLst>
+              <a:ext uri="{FF2B5EF4-FFF2-40B4-BE49-F238E27FC236}">
+                <a16:creationId xmlns:a16="http://schemas.microsoft.com/office/drawing/2014/main" id="{83EAB11A-76F7-48F4-9B4F-5BFDF4BF9670}"/>
+              </a:ext>
+              <a:ext uri="{C183D7F6-B498-43B3-948B-1728B52AA6E4}">
+                <adec:decorative xmlns:adec="http://schemas.microsoft.com/office/drawing/2017/decorative" val="1"/>
+              </a:ext>
+            </a:extLst>
+          </p:cNvPr>
+          <p:cNvGrpSpPr>
+            <a:grpSpLocks noGrp="1" noUngrp="1" noRot="1" noChangeAspect="1" noMove="1" noResize="1"/>
+          </p:cNvGrpSpPr>
+          <p:nvPr>
+            <p:extLst>
+              <p:ext uri="{386F3935-93C4-4BCD-93E2-E3B085C9AB24}">
+                <p16:designElem xmlns:p16="http://schemas.microsoft.com/office/powerpoint/2015/main" val="1"/>
+              </p:ext>
+            </p:extLst>
+          </p:nvPr>
+        </p:nvGrpSpPr>
+        <p:grpSpPr>
+          <a:xfrm>
+            <a:off x="74300" y="2385102"/>
+            <a:ext cx="574091" cy="2087796"/>
+            <a:chOff x="209668" y="2857422"/>
+            <a:chExt cx="463662" cy="2087796"/>
+          </a:xfrm>
+        </p:grpSpPr>
+        <p:sp>
+          <p:nvSpPr>
+            <p:cNvPr id="41" name="Rectangle 40">
+              <a:extLst>
+                <a:ext uri="{FF2B5EF4-FFF2-40B4-BE49-F238E27FC236}">
+                  <a16:creationId xmlns:a16="http://schemas.microsoft.com/office/drawing/2014/main" id="{74D4C416-D5F4-4F6F-A6F1-87A21CD4FCAF}"/>
+                </a:ext>
+                <a:ext uri="{C183D7F6-B498-43B3-948B-1728B52AA6E4}">
+                  <adec:decorative xmlns:adec="http://schemas.microsoft.com/office/drawing/2017/decorative" val="1"/>
+                </a:ext>
+              </a:extLst>
+            </p:cNvPr>
+            <p:cNvSpPr/>
+            <p:nvPr>
+              <p:extLst>
+                <p:ext uri="{386F3935-93C4-4BCD-93E2-E3B085C9AB24}">
+                  <p16:designElem xmlns:p16="http://schemas.microsoft.com/office/powerpoint/2015/main" val="1"/>
+                </p:ext>
+              </p:extLst>
+            </p:nvPr>
+          </p:nvSpPr>
+          <p:spPr>
+            <a:xfrm flipH="1" flipV="1">
+              <a:off x="423947" y="2857422"/>
+              <a:ext cx="249383" cy="2087795"/>
+            </a:xfrm>
+            <a:prstGeom prst="rect">
+              <a:avLst/>
+            </a:prstGeom>
+            <a:solidFill>
+              <a:schemeClr val="accent4"/>
+            </a:solidFill>
+            <a:ln>
+              <a:noFill/>
+            </a:ln>
+          </p:spPr>
+          <p:style>
+            <a:lnRef idx="2">
+              <a:schemeClr val="accent1">
+                <a:shade val="50000"/>
+              </a:schemeClr>
+            </a:lnRef>
+            <a:fillRef idx="1">
+              <a:schemeClr val="accent1"/>
+            </a:fillRef>
+            <a:effectRef idx="0">
+              <a:schemeClr val="accent1"/>
+            </a:effectRef>
+            <a:fontRef idx="minor">
+              <a:schemeClr val="lt1"/>
+            </a:fontRef>
+          </p:style>
+          <p:txBody>
+            <a:bodyPr rtlCol="0" anchor="ctr"/>
+            <a:lstStyle/>
+            <a:p>
+              <a:pPr algn="ctr"/>
+              <a:endParaRPr lang="en-US"/>
+            </a:p>
+          </p:txBody>
+        </p:sp>
+        <p:cxnSp>
+          <p:nvCxnSpPr>
+            <p:cNvPr id="42" name="Straight Connector 41">
+              <a:extLst>
+                <a:ext uri="{FF2B5EF4-FFF2-40B4-BE49-F238E27FC236}">
+                  <a16:creationId xmlns:a16="http://schemas.microsoft.com/office/drawing/2014/main" id="{C6AC1C30-21C6-4BF6-93EE-B211D7A85011}"/>
+                </a:ext>
+                <a:ext uri="{C183D7F6-B498-43B3-948B-1728B52AA6E4}">
+                  <adec:decorative xmlns:adec="http://schemas.microsoft.com/office/drawing/2017/decorative" val="1"/>
+                </a:ext>
+              </a:extLst>
+            </p:cNvPr>
+            <p:cNvCxnSpPr>
+              <a:cxnSpLocks/>
+            </p:cNvCxnSpPr>
+            <p:nvPr>
+              <p:extLst>
+                <p:ext uri="{386F3935-93C4-4BCD-93E2-E3B085C9AB24}">
+                  <p16:designElem xmlns:p16="http://schemas.microsoft.com/office/powerpoint/2015/main" val="1"/>
+                </p:ext>
+              </p:extLst>
+            </p:nvPr>
+          </p:nvCxnSpPr>
+          <p:spPr>
+            <a:xfrm flipH="1">
+              <a:off x="209668" y="2857423"/>
+              <a:ext cx="1" cy="2087795"/>
+            </a:xfrm>
+            <a:prstGeom prst="line">
+              <a:avLst/>
+            </a:prstGeom>
+            <a:ln w="177800">
+              <a:solidFill>
+                <a:schemeClr val="accent4"/>
+              </a:solidFill>
+            </a:ln>
+          </p:spPr>
+          <p:style>
+            <a:lnRef idx="1">
+              <a:schemeClr val="accent1"/>
+            </a:lnRef>
+            <a:fillRef idx="0">
+              <a:schemeClr val="accent1"/>
+            </a:fillRef>
+            <a:effectRef idx="0">
+              <a:schemeClr val="accent1"/>
+            </a:effectRef>
+            <a:fontRef idx="minor">
+              <a:schemeClr val="tx1"/>
+            </a:fontRef>
+          </p:style>
+        </p:cxnSp>
+      </p:grpSp>
+      <p:sp>
+        <p:nvSpPr>
+          <p:cNvPr id="44" name="Rectangle 43">
+            <a:extLst>
+              <a:ext uri="{FF2B5EF4-FFF2-40B4-BE49-F238E27FC236}">
+                <a16:creationId xmlns:a16="http://schemas.microsoft.com/office/drawing/2014/main" id="{81E140AE-0ABF-47C8-BF32-7D2F0CF2BA44}"/>
+              </a:ext>
+              <a:ext uri="{C183D7F6-B498-43B3-948B-1728B52AA6E4}">
+                <adec:decorative xmlns:adec="http://schemas.microsoft.com/office/drawing/2017/decorative" val="1"/>
+              </a:ext>
+            </a:extLst>
+          </p:cNvPr>
+          <p:cNvSpPr>
+            <a:spLocks noGrp="1" noRot="1" noChangeAspect="1" noMove="1" noResize="1" noEditPoints="1" noAdjustHandles="1" noChangeArrowheads="1" noChangeShapeType="1" noTextEdit="1"/>
+          </p:cNvSpPr>
+          <p:nvPr>
+            <p:extLst>
+              <p:ext uri="{386F3935-93C4-4BCD-93E2-E3B085C9AB24}">
+                <p16:designElem xmlns:p16="http://schemas.microsoft.com/office/powerpoint/2015/main" val="1"/>
+              </p:ext>
+            </p:extLst>
+          </p:nvPr>
+        </p:nvSpPr>
+        <p:spPr>
+          <a:xfrm flipH="1">
+            <a:off x="10697670" y="0"/>
+            <a:ext cx="1494330" cy="6858000"/>
+          </a:xfrm>
+          <a:prstGeom prst="rect">
+            <a:avLst/>
+          </a:prstGeom>
+          <a:solidFill>
+            <a:schemeClr val="accent4"/>
+          </a:solidFill>
+          <a:ln>
+            <a:noFill/>
+          </a:ln>
+        </p:spPr>
+        <p:style>
+          <a:lnRef idx="2">
+            <a:schemeClr val="accent1">
+              <a:shade val="50000"/>
+            </a:schemeClr>
+          </a:lnRef>
+          <a:fillRef idx="1">
+            <a:schemeClr val="accent1"/>
+          </a:fillRef>
+          <a:effectRef idx="0">
+            <a:schemeClr val="accent1"/>
+          </a:effectRef>
+          <a:fontRef idx="minor">
+            <a:schemeClr val="lt1"/>
+          </a:fontRef>
+        </p:style>
+        <p:txBody>
+          <a:bodyPr rtlCol="0" anchor="ctr"/>
+          <a:lstStyle/>
+          <a:p>
+            <a:pPr algn="ctr"/>
+            <a:endParaRPr lang="en-US"/>
+          </a:p>
+        </p:txBody>
+      </p:sp>
+      <p:sp>
+        <p:nvSpPr>
+          <p:cNvPr id="46" name="Rectangle 45">
+            <a:extLst>
+              <a:ext uri="{FF2B5EF4-FFF2-40B4-BE49-F238E27FC236}">
+                <a16:creationId xmlns:a16="http://schemas.microsoft.com/office/drawing/2014/main" id="{CBC4F608-B4B8-48C3-9572-C0F061B1CD99}"/>
+              </a:ext>
+              <a:ext uri="{C183D7F6-B498-43B3-948B-1728B52AA6E4}">
+                <adec:decorative xmlns:adec="http://schemas.microsoft.com/office/drawing/2017/decorative" val="1"/>
+              </a:ext>
+            </a:extLst>
+          </p:cNvPr>
+          <p:cNvSpPr>
+            <a:spLocks noGrp="1" noRot="1" noChangeAspect="1" noMove="1" noResize="1" noEditPoints="1" noAdjustHandles="1" noChangeArrowheads="1" noChangeShapeType="1" noTextEdit="1"/>
+          </p:cNvSpPr>
+          <p:nvPr>
+            <p:extLst>
+              <p:ext uri="{386F3935-93C4-4BCD-93E2-E3B085C9AB24}">
+                <p16:designElem xmlns:p16="http://schemas.microsoft.com/office/powerpoint/2015/main" val="1"/>
+              </p:ext>
+            </p:extLst>
+          </p:nvPr>
+        </p:nvSpPr>
+        <p:spPr>
+          <a:xfrm>
+            <a:off x="579528" y="631767"/>
+            <a:ext cx="11111729" cy="5752404"/>
+          </a:xfrm>
+          <a:prstGeom prst="rect">
+            <a:avLst/>
+          </a:prstGeom>
+          <a:solidFill>
+            <a:schemeClr val="bg1"/>
+          </a:solidFill>
+          <a:ln>
+            <a:noFill/>
+          </a:ln>
+          <a:effectLst>
+            <a:outerShdw blurRad="139700" dist="127000" dir="5400000" algn="t" rotWithShape="0">
+              <a:prstClr val="black">
+                <a:alpha val="15000"/>
+              </a:prstClr>
+            </a:outerShdw>
+          </a:effectLst>
+        </p:spPr>
+        <p:style>
+          <a:lnRef idx="2">
+            <a:schemeClr val="accent1">
+              <a:shade val="50000"/>
+            </a:schemeClr>
+          </a:lnRef>
+          <a:fillRef idx="1">
+            <a:schemeClr val="accent1"/>
+          </a:fillRef>
+          <a:effectRef idx="0">
+            <a:schemeClr val="accent1"/>
+          </a:effectRef>
+          <a:fontRef idx="minor">
+            <a:schemeClr val="lt1"/>
+          </a:fontRef>
+        </p:style>
+        <p:txBody>
+          <a:bodyPr rtlCol="0" anchor="ctr"/>
+          <a:lstStyle/>
+          <a:p>
+            <a:pPr algn="ctr"/>
+            <a:endParaRPr lang="en-US"/>
+          </a:p>
+        </p:txBody>
+      </p:sp>
+      <p:sp>
+        <p:nvSpPr>
+          <p:cNvPr id="2" name="Title 1">
+            <a:extLst>
+              <a:ext uri="{FF2B5EF4-FFF2-40B4-BE49-F238E27FC236}">
+                <a16:creationId xmlns:a16="http://schemas.microsoft.com/office/drawing/2014/main" id="{B6748386-DA3F-09B4-E281-BCEA1C8F7C43}"/>
+              </a:ext>
+            </a:extLst>
+          </p:cNvPr>
+          <p:cNvSpPr>
+            <a:spLocks noGrp="1"/>
+          </p:cNvSpPr>
+          <p:nvPr>
+            <p:ph type="title"/>
+          </p:nvPr>
+        </p:nvSpPr>
+        <p:spPr>
+          <a:xfrm>
+            <a:off x="1153618" y="1239927"/>
+            <a:ext cx="4008586" cy="4680583"/>
+          </a:xfrm>
+        </p:spPr>
+        <p:txBody>
+          <a:bodyPr anchor="ctr">
+            <a:normAutofit/>
+          </a:bodyPr>
+          <a:lstStyle/>
+          <a:p>
+            <a:r>
+              <a:rPr lang="en-US" sz="5200" dirty="0"/>
+              <a:t>Motivation</a:t>
+            </a:r>
+          </a:p>
+        </p:txBody>
+      </p:sp>
+      <p:sp>
+        <p:nvSpPr>
+          <p:cNvPr id="3" name="Content Placeholder 2">
+            <a:extLst>
+              <a:ext uri="{FF2B5EF4-FFF2-40B4-BE49-F238E27FC236}">
+                <a16:creationId xmlns:a16="http://schemas.microsoft.com/office/drawing/2014/main" id="{B29A5E95-2B2A-162A-4662-279728A3B971}"/>
+              </a:ext>
+            </a:extLst>
+          </p:cNvPr>
+          <p:cNvSpPr>
+            <a:spLocks noGrp="1"/>
+          </p:cNvSpPr>
+          <p:nvPr>
+            <p:ph idx="1"/>
+          </p:nvPr>
+        </p:nvSpPr>
+        <p:spPr>
+          <a:xfrm>
+            <a:off x="5280879" y="1253220"/>
+            <a:ext cx="4971824" cy="4680583"/>
+          </a:xfrm>
+        </p:spPr>
+        <p:txBody>
+          <a:bodyPr anchor="ctr">
+            <a:noAutofit/>
+          </a:bodyPr>
+          <a:lstStyle/>
+          <a:p>
+            <a:r>
+              <a:rPr lang="en-US" sz="2400" dirty="0"/>
+              <a:t>We are concerned that the low-quality imputed genotypes may not be suitable for family-based analyses.</a:t>
+            </a:r>
+          </a:p>
+          <a:p>
+            <a:endParaRPr lang="en-US" sz="2400" dirty="0"/>
+          </a:p>
+          <a:p>
+            <a:r>
+              <a:rPr lang="en-US" sz="2400" dirty="0"/>
+              <a:t>Family- and Sib-GWAS is designed to leverage Mendelian inheritance as a clean </a:t>
+            </a:r>
+            <a:r>
+              <a:rPr lang="en-US" sz="2400" b="1" i="1" dirty="0"/>
+              <a:t>natural experiment </a:t>
+            </a:r>
+            <a:r>
+              <a:rPr lang="en-US" sz="2400" dirty="0"/>
+              <a:t>to obtain unbiased estimates, but with imputation we may lose that.</a:t>
+            </a:r>
+          </a:p>
+          <a:p>
+            <a:endParaRPr lang="en-US" sz="2400" dirty="0"/>
+          </a:p>
+        </p:txBody>
+      </p:sp>
+    </p:spTree>
+    <p:extLst>
+      <p:ext uri="{BB962C8B-B14F-4D97-AF65-F5344CB8AC3E}">
+        <p14:creationId xmlns:p14="http://schemas.microsoft.com/office/powerpoint/2010/main" val="614327471"/>
+      </p:ext>
+    </p:extLst>
+  </p:cSld>
+  <p:clrMapOvr>
+    <a:masterClrMapping/>
+  </p:clrMapOvr>
+</p:sld>
+</file>
+
+<file path=ppt/slides/slide20.xml><?xml version="1.0" encoding="utf-8"?>
 <p:sld xmlns:a="http://schemas.openxmlformats.org/drawingml/2006/main" xmlns:r="http://schemas.openxmlformats.org/officeDocument/2006/relationships" xmlns:p="http://schemas.openxmlformats.org/presentationml/2006/main">
   <p:cSld>
     <p:bg>
@@ -16625,35 +17830,6 @@
       </p:sp>
       <p:pic>
         <p:nvPicPr>
-          <p:cNvPr id="5" name="Content Placeholder 4" descr="A graph with a line and a red line&#10;&#10;AI-generated content may be incorrect.">
-            <a:extLst>
-              <a:ext uri="{FF2B5EF4-FFF2-40B4-BE49-F238E27FC236}">
-                <a16:creationId xmlns:a16="http://schemas.microsoft.com/office/drawing/2014/main" id="{382D87A2-613F-6C95-E527-1B3980B1AF17}"/>
-              </a:ext>
-            </a:extLst>
-          </p:cNvPr>
-          <p:cNvPicPr>
-            <a:picLocks noChangeAspect="1"/>
-          </p:cNvPicPr>
-          <p:nvPr/>
-        </p:nvPicPr>
-        <p:blipFill>
-          <a:blip r:embed="rId4"/>
-          <a:srcRect t="13346" r="5219" b="2503"/>
-          <a:stretch/>
-        </p:blipFill>
-        <p:spPr>
-          <a:xfrm>
-            <a:off x="268603" y="3324658"/>
-            <a:ext cx="3779345" cy="2793438"/>
-          </a:xfrm>
-          <a:prstGeom prst="rect">
-            <a:avLst/>
-          </a:prstGeom>
-        </p:spPr>
-      </p:pic>
-      <p:pic>
-        <p:nvPicPr>
           <p:cNvPr id="4" name="Picture 3">
             <a:extLst>
               <a:ext uri="{FF2B5EF4-FFF2-40B4-BE49-F238E27FC236}">
@@ -16667,7 +17843,7 @@
           <p:nvPr/>
         </p:nvPicPr>
         <p:blipFill>
-          <a:blip r:embed="rId5"/>
+          <a:blip r:embed="rId4"/>
           <a:stretch>
             <a:fillRect/>
           </a:stretch>
@@ -16695,473 +17871,7 @@
 </p:sld>
 </file>
 
-<file path=ppt/slides/slide2.xml><?xml version="1.0" encoding="utf-8"?>
-<p:sld xmlns:a="http://schemas.openxmlformats.org/drawingml/2006/main" xmlns:r="http://schemas.openxmlformats.org/officeDocument/2006/relationships" xmlns:p="http://schemas.openxmlformats.org/presentationml/2006/main">
-  <p:cSld>
-    <p:bg>
-      <p:bgPr>
-        <a:solidFill>
-          <a:schemeClr val="bg1"/>
-        </a:solidFill>
-        <a:effectLst/>
-      </p:bgPr>
-    </p:bg>
-    <p:spTree>
-      <p:nvGrpSpPr>
-        <p:cNvPr id="1" name=""/>
-        <p:cNvGrpSpPr/>
-        <p:nvPr/>
-      </p:nvGrpSpPr>
-      <p:grpSpPr>
-        <a:xfrm>
-          <a:off x="0" y="0"/>
-          <a:ext cx="0" cy="0"/>
-          <a:chOff x="0" y="0"/>
-          <a:chExt cx="0" cy="0"/>
-        </a:xfrm>
-      </p:grpSpPr>
-      <p:sp useBgFill="1">
-        <p:nvSpPr>
-          <p:cNvPr id="38" name="Rectangle 37">
-            <a:extLst>
-              <a:ext uri="{FF2B5EF4-FFF2-40B4-BE49-F238E27FC236}">
-                <a16:creationId xmlns:a16="http://schemas.microsoft.com/office/drawing/2014/main" id="{8B9AA7C6-5E5A-498E-A6DF-A943376E09BC}"/>
-              </a:ext>
-              <a:ext uri="{C183D7F6-B498-43B3-948B-1728B52AA6E4}">
-                <adec:decorative xmlns:adec="http://schemas.microsoft.com/office/drawing/2017/decorative" val="1"/>
-              </a:ext>
-            </a:extLst>
-          </p:cNvPr>
-          <p:cNvSpPr>
-            <a:spLocks noGrp="1" noRot="1" noChangeAspect="1" noMove="1" noResize="1" noEditPoints="1" noAdjustHandles="1" noChangeArrowheads="1" noChangeShapeType="1" noTextEdit="1"/>
-          </p:cNvSpPr>
-          <p:nvPr>
-            <p:extLst>
-              <p:ext uri="{386F3935-93C4-4BCD-93E2-E3B085C9AB24}">
-                <p16:designElem xmlns:p16="http://schemas.microsoft.com/office/powerpoint/2015/main" val="1"/>
-              </p:ext>
-            </p:extLst>
-          </p:nvPr>
-        </p:nvSpPr>
-        <p:spPr>
-          <a:xfrm>
-            <a:off x="0" y="0"/>
-            <a:ext cx="12191999" cy="6857365"/>
-          </a:xfrm>
-          <a:prstGeom prst="rect">
-            <a:avLst/>
-          </a:prstGeom>
-          <a:ln>
-            <a:noFill/>
-          </a:ln>
-        </p:spPr>
-        <p:style>
-          <a:lnRef idx="2">
-            <a:schemeClr val="accent1">
-              <a:shade val="50000"/>
-            </a:schemeClr>
-          </a:lnRef>
-          <a:fillRef idx="1">
-            <a:schemeClr val="accent1"/>
-          </a:fillRef>
-          <a:effectRef idx="0">
-            <a:schemeClr val="accent1"/>
-          </a:effectRef>
-          <a:fontRef idx="minor">
-            <a:schemeClr val="lt1"/>
-          </a:fontRef>
-        </p:style>
-        <p:txBody>
-          <a:bodyPr rtlCol="0" anchor="ctr"/>
-          <a:lstStyle/>
-          <a:p>
-            <a:pPr algn="ctr"/>
-            <a:endParaRPr lang="en-US"/>
-          </a:p>
-        </p:txBody>
-      </p:sp>
-      <p:grpSp>
-        <p:nvGrpSpPr>
-          <p:cNvPr id="40" name="Group 39">
-            <a:extLst>
-              <a:ext uri="{FF2B5EF4-FFF2-40B4-BE49-F238E27FC236}">
-                <a16:creationId xmlns:a16="http://schemas.microsoft.com/office/drawing/2014/main" id="{83EAB11A-76F7-48F4-9B4F-5BFDF4BF9670}"/>
-              </a:ext>
-              <a:ext uri="{C183D7F6-B498-43B3-948B-1728B52AA6E4}">
-                <adec:decorative xmlns:adec="http://schemas.microsoft.com/office/drawing/2017/decorative" val="1"/>
-              </a:ext>
-            </a:extLst>
-          </p:cNvPr>
-          <p:cNvGrpSpPr>
-            <a:grpSpLocks noGrp="1" noUngrp="1" noRot="1" noChangeAspect="1" noMove="1" noResize="1"/>
-          </p:cNvGrpSpPr>
-          <p:nvPr>
-            <p:extLst>
-              <p:ext uri="{386F3935-93C4-4BCD-93E2-E3B085C9AB24}">
-                <p16:designElem xmlns:p16="http://schemas.microsoft.com/office/powerpoint/2015/main" val="1"/>
-              </p:ext>
-            </p:extLst>
-          </p:nvPr>
-        </p:nvGrpSpPr>
-        <p:grpSpPr>
-          <a:xfrm>
-            <a:off x="74300" y="2385102"/>
-            <a:ext cx="574091" cy="2087796"/>
-            <a:chOff x="209668" y="2857422"/>
-            <a:chExt cx="463662" cy="2087796"/>
-          </a:xfrm>
-        </p:grpSpPr>
-        <p:sp>
-          <p:nvSpPr>
-            <p:cNvPr id="41" name="Rectangle 40">
-              <a:extLst>
-                <a:ext uri="{FF2B5EF4-FFF2-40B4-BE49-F238E27FC236}">
-                  <a16:creationId xmlns:a16="http://schemas.microsoft.com/office/drawing/2014/main" id="{74D4C416-D5F4-4F6F-A6F1-87A21CD4FCAF}"/>
-                </a:ext>
-                <a:ext uri="{C183D7F6-B498-43B3-948B-1728B52AA6E4}">
-                  <adec:decorative xmlns:adec="http://schemas.microsoft.com/office/drawing/2017/decorative" val="1"/>
-                </a:ext>
-              </a:extLst>
-            </p:cNvPr>
-            <p:cNvSpPr/>
-            <p:nvPr>
-              <p:extLst>
-                <p:ext uri="{386F3935-93C4-4BCD-93E2-E3B085C9AB24}">
-                  <p16:designElem xmlns:p16="http://schemas.microsoft.com/office/powerpoint/2015/main" val="1"/>
-                </p:ext>
-              </p:extLst>
-            </p:nvPr>
-          </p:nvSpPr>
-          <p:spPr>
-            <a:xfrm flipH="1" flipV="1">
-              <a:off x="423947" y="2857422"/>
-              <a:ext cx="249383" cy="2087795"/>
-            </a:xfrm>
-            <a:prstGeom prst="rect">
-              <a:avLst/>
-            </a:prstGeom>
-            <a:solidFill>
-              <a:schemeClr val="accent4"/>
-            </a:solidFill>
-            <a:ln>
-              <a:noFill/>
-            </a:ln>
-          </p:spPr>
-          <p:style>
-            <a:lnRef idx="2">
-              <a:schemeClr val="accent1">
-                <a:shade val="50000"/>
-              </a:schemeClr>
-            </a:lnRef>
-            <a:fillRef idx="1">
-              <a:schemeClr val="accent1"/>
-            </a:fillRef>
-            <a:effectRef idx="0">
-              <a:schemeClr val="accent1"/>
-            </a:effectRef>
-            <a:fontRef idx="minor">
-              <a:schemeClr val="lt1"/>
-            </a:fontRef>
-          </p:style>
-          <p:txBody>
-            <a:bodyPr rtlCol="0" anchor="ctr"/>
-            <a:lstStyle/>
-            <a:p>
-              <a:pPr algn="ctr"/>
-              <a:endParaRPr lang="en-US"/>
-            </a:p>
-          </p:txBody>
-        </p:sp>
-        <p:cxnSp>
-          <p:nvCxnSpPr>
-            <p:cNvPr id="42" name="Straight Connector 41">
-              <a:extLst>
-                <a:ext uri="{FF2B5EF4-FFF2-40B4-BE49-F238E27FC236}">
-                  <a16:creationId xmlns:a16="http://schemas.microsoft.com/office/drawing/2014/main" id="{C6AC1C30-21C6-4BF6-93EE-B211D7A85011}"/>
-                </a:ext>
-                <a:ext uri="{C183D7F6-B498-43B3-948B-1728B52AA6E4}">
-                  <adec:decorative xmlns:adec="http://schemas.microsoft.com/office/drawing/2017/decorative" val="1"/>
-                </a:ext>
-              </a:extLst>
-            </p:cNvPr>
-            <p:cNvCxnSpPr>
-              <a:cxnSpLocks/>
-            </p:cNvCxnSpPr>
-            <p:nvPr>
-              <p:extLst>
-                <p:ext uri="{386F3935-93C4-4BCD-93E2-E3B085C9AB24}">
-                  <p16:designElem xmlns:p16="http://schemas.microsoft.com/office/powerpoint/2015/main" val="1"/>
-                </p:ext>
-              </p:extLst>
-            </p:nvPr>
-          </p:nvCxnSpPr>
-          <p:spPr>
-            <a:xfrm flipH="1">
-              <a:off x="209668" y="2857423"/>
-              <a:ext cx="1" cy="2087795"/>
-            </a:xfrm>
-            <a:prstGeom prst="line">
-              <a:avLst/>
-            </a:prstGeom>
-            <a:ln w="177800">
-              <a:solidFill>
-                <a:schemeClr val="accent4"/>
-              </a:solidFill>
-            </a:ln>
-          </p:spPr>
-          <p:style>
-            <a:lnRef idx="1">
-              <a:schemeClr val="accent1"/>
-            </a:lnRef>
-            <a:fillRef idx="0">
-              <a:schemeClr val="accent1"/>
-            </a:fillRef>
-            <a:effectRef idx="0">
-              <a:schemeClr val="accent1"/>
-            </a:effectRef>
-            <a:fontRef idx="minor">
-              <a:schemeClr val="tx1"/>
-            </a:fontRef>
-          </p:style>
-        </p:cxnSp>
-      </p:grpSp>
-      <p:sp>
-        <p:nvSpPr>
-          <p:cNvPr id="44" name="Rectangle 43">
-            <a:extLst>
-              <a:ext uri="{FF2B5EF4-FFF2-40B4-BE49-F238E27FC236}">
-                <a16:creationId xmlns:a16="http://schemas.microsoft.com/office/drawing/2014/main" id="{81E140AE-0ABF-47C8-BF32-7D2F0CF2BA44}"/>
-              </a:ext>
-              <a:ext uri="{C183D7F6-B498-43B3-948B-1728B52AA6E4}">
-                <adec:decorative xmlns:adec="http://schemas.microsoft.com/office/drawing/2017/decorative" val="1"/>
-              </a:ext>
-            </a:extLst>
-          </p:cNvPr>
-          <p:cNvSpPr>
-            <a:spLocks noGrp="1" noRot="1" noChangeAspect="1" noMove="1" noResize="1" noEditPoints="1" noAdjustHandles="1" noChangeArrowheads="1" noChangeShapeType="1" noTextEdit="1"/>
-          </p:cNvSpPr>
-          <p:nvPr>
-            <p:extLst>
-              <p:ext uri="{386F3935-93C4-4BCD-93E2-E3B085C9AB24}">
-                <p16:designElem xmlns:p16="http://schemas.microsoft.com/office/powerpoint/2015/main" val="1"/>
-              </p:ext>
-            </p:extLst>
-          </p:nvPr>
-        </p:nvSpPr>
-        <p:spPr>
-          <a:xfrm flipH="1">
-            <a:off x="10697670" y="0"/>
-            <a:ext cx="1494330" cy="6858000"/>
-          </a:xfrm>
-          <a:prstGeom prst="rect">
-            <a:avLst/>
-          </a:prstGeom>
-          <a:solidFill>
-            <a:schemeClr val="accent4"/>
-          </a:solidFill>
-          <a:ln>
-            <a:noFill/>
-          </a:ln>
-        </p:spPr>
-        <p:style>
-          <a:lnRef idx="2">
-            <a:schemeClr val="accent1">
-              <a:shade val="50000"/>
-            </a:schemeClr>
-          </a:lnRef>
-          <a:fillRef idx="1">
-            <a:schemeClr val="accent1"/>
-          </a:fillRef>
-          <a:effectRef idx="0">
-            <a:schemeClr val="accent1"/>
-          </a:effectRef>
-          <a:fontRef idx="minor">
-            <a:schemeClr val="lt1"/>
-          </a:fontRef>
-        </p:style>
-        <p:txBody>
-          <a:bodyPr rtlCol="0" anchor="ctr"/>
-          <a:lstStyle/>
-          <a:p>
-            <a:pPr algn="ctr"/>
-            <a:endParaRPr lang="en-US"/>
-          </a:p>
-        </p:txBody>
-      </p:sp>
-      <p:sp>
-        <p:nvSpPr>
-          <p:cNvPr id="46" name="Rectangle 45">
-            <a:extLst>
-              <a:ext uri="{FF2B5EF4-FFF2-40B4-BE49-F238E27FC236}">
-                <a16:creationId xmlns:a16="http://schemas.microsoft.com/office/drawing/2014/main" id="{CBC4F608-B4B8-48C3-9572-C0F061B1CD99}"/>
-              </a:ext>
-              <a:ext uri="{C183D7F6-B498-43B3-948B-1728B52AA6E4}">
-                <adec:decorative xmlns:adec="http://schemas.microsoft.com/office/drawing/2017/decorative" val="1"/>
-              </a:ext>
-            </a:extLst>
-          </p:cNvPr>
-          <p:cNvSpPr>
-            <a:spLocks noGrp="1" noRot="1" noChangeAspect="1" noMove="1" noResize="1" noEditPoints="1" noAdjustHandles="1" noChangeArrowheads="1" noChangeShapeType="1" noTextEdit="1"/>
-          </p:cNvSpPr>
-          <p:nvPr>
-            <p:extLst>
-              <p:ext uri="{386F3935-93C4-4BCD-93E2-E3B085C9AB24}">
-                <p16:designElem xmlns:p16="http://schemas.microsoft.com/office/powerpoint/2015/main" val="1"/>
-              </p:ext>
-            </p:extLst>
-          </p:nvPr>
-        </p:nvSpPr>
-        <p:spPr>
-          <a:xfrm>
-            <a:off x="579528" y="631767"/>
-            <a:ext cx="11111729" cy="5752404"/>
-          </a:xfrm>
-          <a:prstGeom prst="rect">
-            <a:avLst/>
-          </a:prstGeom>
-          <a:solidFill>
-            <a:schemeClr val="bg1"/>
-          </a:solidFill>
-          <a:ln>
-            <a:noFill/>
-          </a:ln>
-          <a:effectLst>
-            <a:outerShdw blurRad="139700" dist="127000" dir="5400000" algn="t" rotWithShape="0">
-              <a:prstClr val="black">
-                <a:alpha val="15000"/>
-              </a:prstClr>
-            </a:outerShdw>
-          </a:effectLst>
-        </p:spPr>
-        <p:style>
-          <a:lnRef idx="2">
-            <a:schemeClr val="accent1">
-              <a:shade val="50000"/>
-            </a:schemeClr>
-          </a:lnRef>
-          <a:fillRef idx="1">
-            <a:schemeClr val="accent1"/>
-          </a:fillRef>
-          <a:effectRef idx="0">
-            <a:schemeClr val="accent1"/>
-          </a:effectRef>
-          <a:fontRef idx="minor">
-            <a:schemeClr val="lt1"/>
-          </a:fontRef>
-        </p:style>
-        <p:txBody>
-          <a:bodyPr rtlCol="0" anchor="ctr"/>
-          <a:lstStyle/>
-          <a:p>
-            <a:pPr algn="ctr"/>
-            <a:endParaRPr lang="en-US"/>
-          </a:p>
-        </p:txBody>
-      </p:sp>
-      <p:sp>
-        <p:nvSpPr>
-          <p:cNvPr id="2" name="Title 1">
-            <a:extLst>
-              <a:ext uri="{FF2B5EF4-FFF2-40B4-BE49-F238E27FC236}">
-                <a16:creationId xmlns:a16="http://schemas.microsoft.com/office/drawing/2014/main" id="{B6748386-DA3F-09B4-E281-BCEA1C8F7C43}"/>
-              </a:ext>
-            </a:extLst>
-          </p:cNvPr>
-          <p:cNvSpPr>
-            <a:spLocks noGrp="1"/>
-          </p:cNvSpPr>
-          <p:nvPr>
-            <p:ph type="title"/>
-          </p:nvPr>
-        </p:nvSpPr>
-        <p:spPr>
-          <a:xfrm>
-            <a:off x="1153618" y="1239927"/>
-            <a:ext cx="4008586" cy="4680583"/>
-          </a:xfrm>
-        </p:spPr>
-        <p:txBody>
-          <a:bodyPr anchor="ctr">
-            <a:normAutofit/>
-          </a:bodyPr>
-          <a:lstStyle/>
-          <a:p>
-            <a:r>
-              <a:rPr lang="en-US" sz="5200" dirty="0"/>
-              <a:t>Motivation</a:t>
-            </a:r>
-          </a:p>
-        </p:txBody>
-      </p:sp>
-      <p:sp>
-        <p:nvSpPr>
-          <p:cNvPr id="3" name="Content Placeholder 2">
-            <a:extLst>
-              <a:ext uri="{FF2B5EF4-FFF2-40B4-BE49-F238E27FC236}">
-                <a16:creationId xmlns:a16="http://schemas.microsoft.com/office/drawing/2014/main" id="{B29A5E95-2B2A-162A-4662-279728A3B971}"/>
-              </a:ext>
-            </a:extLst>
-          </p:cNvPr>
-          <p:cNvSpPr>
-            <a:spLocks noGrp="1"/>
-          </p:cNvSpPr>
-          <p:nvPr>
-            <p:ph idx="1"/>
-          </p:nvPr>
-        </p:nvSpPr>
-        <p:spPr>
-          <a:xfrm>
-            <a:off x="5280879" y="1253220"/>
-            <a:ext cx="4971824" cy="4680583"/>
-          </a:xfrm>
-        </p:spPr>
-        <p:txBody>
-          <a:bodyPr anchor="ctr">
-            <a:noAutofit/>
-          </a:bodyPr>
-          <a:lstStyle/>
-          <a:p>
-            <a:r>
-              <a:rPr lang="en-US" sz="2400" dirty="0"/>
-              <a:t>We are concerned that the low-quality imputed genotypes may not be suitable for family-based analyses.</a:t>
-            </a:r>
-          </a:p>
-          <a:p>
-            <a:endParaRPr lang="en-US" sz="2400" dirty="0"/>
-          </a:p>
-          <a:p>
-            <a:r>
-              <a:rPr lang="en-US" sz="2400" dirty="0"/>
-              <a:t>Family- and Sib-GWAS is designed to leverage Mendelian inheritance as a clean </a:t>
-            </a:r>
-            <a:r>
-              <a:rPr lang="en-US" sz="2400" b="1" i="1" dirty="0"/>
-              <a:t>natural experiment </a:t>
-            </a:r>
-            <a:r>
-              <a:rPr lang="en-US" sz="2400" dirty="0"/>
-              <a:t>to obtain unbiased estimates, but with imputation we may lose that.</a:t>
-            </a:r>
-          </a:p>
-          <a:p>
-            <a:endParaRPr lang="en-US" sz="2400" dirty="0"/>
-          </a:p>
-        </p:txBody>
-      </p:sp>
-    </p:spTree>
-    <p:extLst>
-      <p:ext uri="{BB962C8B-B14F-4D97-AF65-F5344CB8AC3E}">
-        <p14:creationId xmlns:p14="http://schemas.microsoft.com/office/powerpoint/2010/main" val="614327471"/>
-      </p:ext>
-    </p:extLst>
-  </p:cSld>
-  <p:clrMapOvr>
-    <a:masterClrMapping/>
-  </p:clrMapOvr>
-</p:sld>
-</file>
-
-<file path=ppt/slides/slide20.xml><?xml version="1.0" encoding="utf-8"?>
+<file path=ppt/slides/slide21.xml><?xml version="1.0" encoding="utf-8"?>
 <p:sld xmlns:a="http://schemas.openxmlformats.org/drawingml/2006/main" xmlns:r="http://schemas.openxmlformats.org/officeDocument/2006/relationships" xmlns:p="http://schemas.openxmlformats.org/presentationml/2006/main">
   <p:cSld>
     <p:bg>
@@ -17659,8 +18369,8 @@
           </a:p>
         </p:txBody>
       </p:sp>
-      <mc:AlternateContent xmlns:mc="http://schemas.openxmlformats.org/markup-compatibility/2006">
-        <mc:Choice xmlns:a14="http://schemas.microsoft.com/office/drawing/2010/main" Requires="a14">
+      <mc:AlternateContent xmlns:mc="http://schemas.openxmlformats.org/markup-compatibility/2006" xmlns:a14="http://schemas.microsoft.com/office/drawing/2010/main">
+        <mc:Choice Requires="a14">
           <p:sp>
             <p:nvSpPr>
               <p:cNvPr id="2" name="Title 1">
@@ -18032,7 +18742,7 @@
             </p:txBody>
           </p:sp>
         </mc:Choice>
-        <mc:Fallback>
+        <mc:Fallback xmlns="">
           <p:sp>
             <p:nvSpPr>
               <p:cNvPr id="2" name="Title 1">
@@ -18165,8 +18875,8 @@
         </p:blipFill>
         <p:spPr>
           <a:xfrm>
-            <a:off x="4598906" y="647599"/>
-            <a:ext cx="6949957" cy="5791631"/>
+            <a:off x="4363826" y="451699"/>
+            <a:ext cx="7420116" cy="6183430"/>
           </a:xfrm>
         </p:spPr>
       </p:pic>
@@ -18183,7 +18893,7 @@
 </p:sld>
 </file>
 
-<file path=ppt/slides/slide21.xml><?xml version="1.0" encoding="utf-8"?>
+<file path=ppt/slides/slide22.xml><?xml version="1.0" encoding="utf-8"?>
 <p:sld xmlns:a="http://schemas.openxmlformats.org/drawingml/2006/main" xmlns:r="http://schemas.openxmlformats.org/officeDocument/2006/relationships" xmlns:p="http://schemas.openxmlformats.org/presentationml/2006/main">
   <p:cSld>
     <p:bg>
@@ -18942,7 +19652,7 @@
 </p:sld>
 </file>
 
-<file path=ppt/slides/slide22.xml><?xml version="1.0" encoding="utf-8"?>
+<file path=ppt/slides/slide23.xml><?xml version="1.0" encoding="utf-8"?>
 <p:sld xmlns:a="http://schemas.openxmlformats.org/drawingml/2006/main" xmlns:r="http://schemas.openxmlformats.org/officeDocument/2006/relationships" xmlns:p="http://schemas.openxmlformats.org/presentationml/2006/main">
   <p:cSld>
     <p:bg>
@@ -20037,7 +20747,7 @@
 </p:sld>
 </file>
 
-<file path=ppt/slides/slide23.xml><?xml version="1.0" encoding="utf-8"?>
+<file path=ppt/slides/slide24.xml><?xml version="1.0" encoding="utf-8"?>
 <p:sld xmlns:a="http://schemas.openxmlformats.org/drawingml/2006/main" xmlns:r="http://schemas.openxmlformats.org/officeDocument/2006/relationships" xmlns:p="http://schemas.openxmlformats.org/presentationml/2006/main">
   <p:cSld>
     <p:bg>
@@ -21139,7 +21849,7 @@
 </p:sld>
 </file>
 
-<file path=ppt/slides/slide24.xml><?xml version="1.0" encoding="utf-8"?>
+<file path=ppt/slides/slide25.xml><?xml version="1.0" encoding="utf-8"?>
 <p:sld xmlns:a="http://schemas.openxmlformats.org/drawingml/2006/main" xmlns:r="http://schemas.openxmlformats.org/officeDocument/2006/relationships" xmlns:p="http://schemas.openxmlformats.org/presentationml/2006/main">
   <p:cSld>
     <p:bg>
@@ -22241,7 +22951,7 @@
 </p:sld>
 </file>
 
-<file path=ppt/slides/slide25.xml><?xml version="1.0" encoding="utf-8"?>
+<file path=ppt/slides/slide26.xml><?xml version="1.0" encoding="utf-8"?>
 <p:sld xmlns:a="http://schemas.openxmlformats.org/drawingml/2006/main" xmlns:r="http://schemas.openxmlformats.org/officeDocument/2006/relationships" xmlns:p="http://schemas.openxmlformats.org/presentationml/2006/main">
   <p:cSld>
     <p:bg>
@@ -23240,7 +23950,7 @@
 </p:sld>
 </file>
 
-<file path=ppt/slides/slide26.xml><?xml version="1.0" encoding="utf-8"?>
+<file path=ppt/slides/slide27.xml><?xml version="1.0" encoding="utf-8"?>
 <p:sld xmlns:a="http://schemas.openxmlformats.org/drawingml/2006/main" xmlns:r="http://schemas.openxmlformats.org/officeDocument/2006/relationships" xmlns:p="http://schemas.openxmlformats.org/presentationml/2006/main">
   <p:cSld>
     <p:bg>
@@ -24000,7 +24710,7 @@
 </p:sld>
 </file>
 
-<file path=ppt/slides/slide27.xml><?xml version="1.0" encoding="utf-8"?>
+<file path=ppt/slides/slide28.xml><?xml version="1.0" encoding="utf-8"?>
 <p:sld xmlns:a="http://schemas.openxmlformats.org/drawingml/2006/main" xmlns:r="http://schemas.openxmlformats.org/officeDocument/2006/relationships" xmlns:p="http://schemas.openxmlformats.org/presentationml/2006/main">
   <p:cSld>
     <p:bg>
